--- a/Housing_Type_Availability.pptx
+++ b/Housing_Type_Availability.pptx
@@ -5,10 +5,10 @@
     <p:sldMasterId id="2147483648" r:id="rId1"/>
   </p:sldMasterIdLst>
   <p:sldIdLst>
-    <p:sldId id="256" r:id="rId2"/>
-    <p:sldId id="262" r:id="rId3"/>
-    <p:sldId id="257" r:id="rId4"/>
-    <p:sldId id="261" r:id="rId5"/>
+    <p:sldId id="262" r:id="rId2"/>
+    <p:sldId id="257" r:id="rId3"/>
+    <p:sldId id="261" r:id="rId4"/>
+    <p:sldId id="256" r:id="rId5"/>
     <p:sldId id="258" r:id="rId6"/>
     <p:sldId id="260" r:id="rId7"/>
     <p:sldId id="263" r:id="rId8"/>
@@ -3333,10 +3333,10 @@
       </p:grpSpPr>
       <p:pic>
         <p:nvPicPr>
-          <p:cNvPr id="5" name="Picture 4" descr="Chart, scatter chart&#10;&#10;Description automatically generated">
-            <a:extLst>
-              <a:ext uri="{FF2B5EF4-FFF2-40B4-BE49-F238E27FC236}">
-                <a16:creationId xmlns:a16="http://schemas.microsoft.com/office/drawing/2014/main" id="{AF281BEB-E06A-8993-F101-7CAAB5BAA121}"/>
+          <p:cNvPr id="3" name="Picture 2" descr="Chart, scatter chart&#10;&#10;Description automatically generated">
+            <a:extLst>
+              <a:ext uri="{FF2B5EF4-FFF2-40B4-BE49-F238E27FC236}">
+                <a16:creationId xmlns:a16="http://schemas.microsoft.com/office/drawing/2014/main" id="{54755FDD-FD91-E19C-57A1-F60C80BA313D}"/>
               </a:ext>
             </a:extLst>
           </p:cNvPr>
@@ -3367,10 +3367,62 @@
           </a:prstGeom>
         </p:spPr>
       </p:pic>
+      <p:sp>
+        <p:nvSpPr>
+          <p:cNvPr id="4" name="Rectangle 3">
+            <a:extLst>
+              <a:ext uri="{FF2B5EF4-FFF2-40B4-BE49-F238E27FC236}">
+                <a16:creationId xmlns:a16="http://schemas.microsoft.com/office/drawing/2014/main" id="{871CE42B-C7FD-EDEF-5368-A2252A07F55E}"/>
+              </a:ext>
+            </a:extLst>
+          </p:cNvPr>
+          <p:cNvSpPr/>
+          <p:nvPr/>
+        </p:nvSpPr>
+        <p:spPr>
+          <a:xfrm>
+            <a:off x="1927508" y="1963876"/>
+            <a:ext cx="2260028" cy="4171952"/>
+          </a:xfrm>
+          <a:prstGeom prst="rect">
+            <a:avLst/>
+          </a:prstGeom>
+          <a:noFill/>
+          <a:ln w="28575">
+            <a:solidFill>
+              <a:schemeClr val="tx1"/>
+            </a:solidFill>
+          </a:ln>
+        </p:spPr>
+        <p:style>
+          <a:lnRef idx="2">
+            <a:schemeClr val="accent1">
+              <a:shade val="50000"/>
+            </a:schemeClr>
+          </a:lnRef>
+          <a:fillRef idx="1">
+            <a:schemeClr val="accent1"/>
+          </a:fillRef>
+          <a:effectRef idx="0">
+            <a:schemeClr val="accent1"/>
+          </a:effectRef>
+          <a:fontRef idx="minor">
+            <a:schemeClr val="lt1"/>
+          </a:fontRef>
+        </p:style>
+        <p:txBody>
+          <a:bodyPr rtlCol="0" anchor="ctr"/>
+          <a:lstStyle/>
+          <a:p>
+            <a:pPr algn="ctr"/>
+            <a:endParaRPr lang="en-US"/>
+          </a:p>
+        </p:txBody>
+      </p:sp>
     </p:spTree>
     <p:extLst>
       <p:ext uri="{BB962C8B-B14F-4D97-AF65-F5344CB8AC3E}">
-        <p14:creationId xmlns:p14="http://schemas.microsoft.com/office/powerpoint/2010/main" val="3784966180"/>
+        <p14:creationId xmlns:p14="http://schemas.microsoft.com/office/powerpoint/2010/main" val="230598498"/>
       </p:ext>
     </p:extLst>
   </p:cSld>
@@ -4113,7 +4165,7 @@
           <p:cNvPr id="3" name="Picture 2" descr="Chart, scatter chart&#10;&#10;Description automatically generated">
             <a:extLst>
               <a:ext uri="{FF2B5EF4-FFF2-40B4-BE49-F238E27FC236}">
-                <a16:creationId xmlns:a16="http://schemas.microsoft.com/office/drawing/2014/main" id="{54755FDD-FD91-E19C-57A1-F60C80BA313D}"/>
+                <a16:creationId xmlns:a16="http://schemas.microsoft.com/office/drawing/2014/main" id="{FA8B0DBF-4282-1243-FC5A-6BDC440B90FB}"/>
               </a:ext>
             </a:extLst>
           </p:cNvPr>
@@ -4149,7 +4201,7 @@
           <p:cNvPr id="4" name="Rectangle 3">
             <a:extLst>
               <a:ext uri="{FF2B5EF4-FFF2-40B4-BE49-F238E27FC236}">
-                <a16:creationId xmlns:a16="http://schemas.microsoft.com/office/drawing/2014/main" id="{871CE42B-C7FD-EDEF-5368-A2252A07F55E}"/>
+                <a16:creationId xmlns:a16="http://schemas.microsoft.com/office/drawing/2014/main" id="{B37CB3AA-312E-C05F-BDB9-8C73EE7991E9}"/>
               </a:ext>
             </a:extLst>
           </p:cNvPr>
@@ -4158,8 +4210,8 @@
         </p:nvSpPr>
         <p:spPr>
           <a:xfrm>
-            <a:off x="1927508" y="1963876"/>
-            <a:ext cx="2260028" cy="4171952"/>
+            <a:off x="7891892" y="6115052"/>
+            <a:ext cx="1054677" cy="290947"/>
           </a:xfrm>
           <a:prstGeom prst="rect">
             <a:avLst/>
@@ -4199,7 +4251,7 @@
     </p:spTree>
     <p:extLst>
       <p:ext uri="{BB962C8B-B14F-4D97-AF65-F5344CB8AC3E}">
-        <p14:creationId xmlns:p14="http://schemas.microsoft.com/office/powerpoint/2010/main" val="230598498"/>
+        <p14:creationId xmlns:p14="http://schemas.microsoft.com/office/powerpoint/2010/main" val="1639370509"/>
       </p:ext>
     </p:extLst>
   </p:cSld>
@@ -4228,10 +4280,10 @@
       </p:grpSpPr>
       <p:pic>
         <p:nvPicPr>
-          <p:cNvPr id="3" name="Picture 2" descr="Chart, scatter chart&#10;&#10;Description automatically generated">
-            <a:extLst>
-              <a:ext uri="{FF2B5EF4-FFF2-40B4-BE49-F238E27FC236}">
-                <a16:creationId xmlns:a16="http://schemas.microsoft.com/office/drawing/2014/main" id="{FA8B0DBF-4282-1243-FC5A-6BDC440B90FB}"/>
+          <p:cNvPr id="3" name="Picture 2" descr="Chart&#10;&#10;Description automatically generated">
+            <a:extLst>
+              <a:ext uri="{FF2B5EF4-FFF2-40B4-BE49-F238E27FC236}">
+                <a16:creationId xmlns:a16="http://schemas.microsoft.com/office/drawing/2014/main" id="{8D251F43-A0A8-941C-3169-3DA14FC2527E}"/>
               </a:ext>
             </a:extLst>
           </p:cNvPr>
@@ -4254,7 +4306,7 @@
         </p:blipFill>
         <p:spPr>
           <a:xfrm>
-            <a:off x="731168" y="114300"/>
+            <a:off x="600915" y="114300"/>
             <a:ext cx="10729664" cy="6629400"/>
           </a:xfrm>
           <a:prstGeom prst="rect">
@@ -4267,7 +4319,7 @@
           <p:cNvPr id="4" name="Rectangle 3">
             <a:extLst>
               <a:ext uri="{FF2B5EF4-FFF2-40B4-BE49-F238E27FC236}">
-                <a16:creationId xmlns:a16="http://schemas.microsoft.com/office/drawing/2014/main" id="{B37CB3AA-312E-C05F-BDB9-8C73EE7991E9}"/>
+                <a16:creationId xmlns:a16="http://schemas.microsoft.com/office/drawing/2014/main" id="{45CA424A-7822-DF94-D20C-9CE1DF6993E6}"/>
               </a:ext>
             </a:extLst>
           </p:cNvPr>
@@ -4276,8 +4328,8 @@
         </p:nvSpPr>
         <p:spPr>
           <a:xfrm>
-            <a:off x="7891892" y="6115052"/>
-            <a:ext cx="1054677" cy="290947"/>
+            <a:off x="3896591" y="6130635"/>
+            <a:ext cx="1205346" cy="290947"/>
           </a:xfrm>
           <a:prstGeom prst="rect">
             <a:avLst/>
@@ -4317,7 +4369,7 @@
     </p:spTree>
     <p:extLst>
       <p:ext uri="{BB962C8B-B14F-4D97-AF65-F5344CB8AC3E}">
-        <p14:creationId xmlns:p14="http://schemas.microsoft.com/office/powerpoint/2010/main" val="1639370509"/>
+        <p14:creationId xmlns:p14="http://schemas.microsoft.com/office/powerpoint/2010/main" val="1955857440"/>
       </p:ext>
     </p:extLst>
   </p:cSld>
@@ -4346,10 +4398,10 @@
       </p:grpSpPr>
       <p:pic>
         <p:nvPicPr>
-          <p:cNvPr id="3" name="Picture 2" descr="Chart&#10;&#10;Description automatically generated">
-            <a:extLst>
-              <a:ext uri="{FF2B5EF4-FFF2-40B4-BE49-F238E27FC236}">
-                <a16:creationId xmlns:a16="http://schemas.microsoft.com/office/drawing/2014/main" id="{8D251F43-A0A8-941C-3169-3DA14FC2527E}"/>
+          <p:cNvPr id="9" name="Picture 8" descr="Chart, scatter chart&#10;&#10;Description automatically generated">
+            <a:extLst>
+              <a:ext uri="{FF2B5EF4-FFF2-40B4-BE49-F238E27FC236}">
+                <a16:creationId xmlns:a16="http://schemas.microsoft.com/office/drawing/2014/main" id="{DF19E8D8-D2E7-09DE-98C0-76613C1606FF}"/>
               </a:ext>
             </a:extLst>
           </p:cNvPr>
@@ -4372,7 +4424,7 @@
         </p:blipFill>
         <p:spPr>
           <a:xfrm>
-            <a:off x="600915" y="114300"/>
+            <a:off x="731168" y="114300"/>
             <a:ext cx="10729664" cy="6629400"/>
           </a:xfrm>
           <a:prstGeom prst="rect">
@@ -4382,10 +4434,10 @@
       </p:pic>
       <p:sp>
         <p:nvSpPr>
-          <p:cNvPr id="4" name="Rectangle 3">
-            <a:extLst>
-              <a:ext uri="{FF2B5EF4-FFF2-40B4-BE49-F238E27FC236}">
-                <a16:creationId xmlns:a16="http://schemas.microsoft.com/office/drawing/2014/main" id="{45CA424A-7822-DF94-D20C-9CE1DF6993E6}"/>
+          <p:cNvPr id="10" name="Rectangle 9">
+            <a:extLst>
+              <a:ext uri="{FF2B5EF4-FFF2-40B4-BE49-F238E27FC236}">
+                <a16:creationId xmlns:a16="http://schemas.microsoft.com/office/drawing/2014/main" id="{01A58F1D-DF4E-86EA-04D6-3B9B209A04B2}"/>
               </a:ext>
             </a:extLst>
           </p:cNvPr>
@@ -4394,8 +4446,8 @@
         </p:nvSpPr>
         <p:spPr>
           <a:xfrm>
-            <a:off x="3896591" y="6130635"/>
-            <a:ext cx="1205346" cy="290947"/>
+            <a:off x="1927508" y="1963876"/>
+            <a:ext cx="2260028" cy="4171952"/>
           </a:xfrm>
           <a:prstGeom prst="rect">
             <a:avLst/>
@@ -4435,7 +4487,7 @@
     </p:spTree>
     <p:extLst>
       <p:ext uri="{BB962C8B-B14F-4D97-AF65-F5344CB8AC3E}">
-        <p14:creationId xmlns:p14="http://schemas.microsoft.com/office/powerpoint/2010/main" val="1955857440"/>
+        <p14:creationId xmlns:p14="http://schemas.microsoft.com/office/powerpoint/2010/main" val="3784966180"/>
       </p:ext>
     </p:extLst>
   </p:cSld>

--- a/Housing_Type_Availability.pptx
+++ b/Housing_Type_Availability.pptx
@@ -5,17 +5,20 @@
     <p:sldMasterId id="2147483648" r:id="rId1"/>
   </p:sldMasterIdLst>
   <p:sldIdLst>
-    <p:sldId id="262" r:id="rId2"/>
-    <p:sldId id="257" r:id="rId3"/>
-    <p:sldId id="261" r:id="rId4"/>
-    <p:sldId id="256" r:id="rId5"/>
-    <p:sldId id="258" r:id="rId6"/>
-    <p:sldId id="260" r:id="rId7"/>
-    <p:sldId id="263" r:id="rId8"/>
-    <p:sldId id="264" r:id="rId9"/>
-    <p:sldId id="266" r:id="rId10"/>
-    <p:sldId id="265" r:id="rId11"/>
-    <p:sldId id="259" r:id="rId12"/>
+    <p:sldId id="267" r:id="rId2"/>
+    <p:sldId id="268" r:id="rId3"/>
+    <p:sldId id="262" r:id="rId4"/>
+    <p:sldId id="257" r:id="rId5"/>
+    <p:sldId id="261" r:id="rId6"/>
+    <p:sldId id="256" r:id="rId7"/>
+    <p:sldId id="258" r:id="rId8"/>
+    <p:sldId id="260" r:id="rId9"/>
+    <p:sldId id="263" r:id="rId10"/>
+    <p:sldId id="264" r:id="rId11"/>
+    <p:sldId id="266" r:id="rId12"/>
+    <p:sldId id="265" r:id="rId13"/>
+    <p:sldId id="259" r:id="rId14"/>
+    <p:sldId id="269" r:id="rId15"/>
   </p:sldIdLst>
   <p:sldSz cx="12192000" cy="6858000"/>
   <p:notesSz cx="6858000" cy="9144000"/>
@@ -114,6 +117,11 @@
       </a:defRPr>
     </a:lvl9pPr>
   </p:defaultTextStyle>
+  <p:extLst>
+    <p:ext uri="{EFAFB233-063F-42B5-8137-9DF3F51BA10A}">
+      <p15:sldGuideLst xmlns:p15="http://schemas.microsoft.com/office/powerpoint/2012/main"/>
+    </p:ext>
+  </p:extLst>
 </p:presentation>
 </file>
 
@@ -264,7 +272,7 @@
           <a:p>
             <a:fld id="{2995FB0E-6C8F-4FDC-B0F6-022F5A61415A}" type="datetimeFigureOut">
               <a:rPr lang="en-US" smtClean="0"/>
-              <a:t>8/14/2022</a:t>
+              <a:t>8/15/2022</a:t>
             </a:fld>
             <a:endParaRPr lang="en-US"/>
           </a:p>
@@ -462,7 +470,7 @@
           <a:p>
             <a:fld id="{2995FB0E-6C8F-4FDC-B0F6-022F5A61415A}" type="datetimeFigureOut">
               <a:rPr lang="en-US" smtClean="0"/>
-              <a:t>8/14/2022</a:t>
+              <a:t>8/15/2022</a:t>
             </a:fld>
             <a:endParaRPr lang="en-US"/>
           </a:p>
@@ -670,7 +678,7 @@
           <a:p>
             <a:fld id="{2995FB0E-6C8F-4FDC-B0F6-022F5A61415A}" type="datetimeFigureOut">
               <a:rPr lang="en-US" smtClean="0"/>
-              <a:t>8/14/2022</a:t>
+              <a:t>8/15/2022</a:t>
             </a:fld>
             <a:endParaRPr lang="en-US"/>
           </a:p>
@@ -868,7 +876,7 @@
           <a:p>
             <a:fld id="{2995FB0E-6C8F-4FDC-B0F6-022F5A61415A}" type="datetimeFigureOut">
               <a:rPr lang="en-US" smtClean="0"/>
-              <a:t>8/14/2022</a:t>
+              <a:t>8/15/2022</a:t>
             </a:fld>
             <a:endParaRPr lang="en-US"/>
           </a:p>
@@ -1143,7 +1151,7 @@
           <a:p>
             <a:fld id="{2995FB0E-6C8F-4FDC-B0F6-022F5A61415A}" type="datetimeFigureOut">
               <a:rPr lang="en-US" smtClean="0"/>
-              <a:t>8/14/2022</a:t>
+              <a:t>8/15/2022</a:t>
             </a:fld>
             <a:endParaRPr lang="en-US"/>
           </a:p>
@@ -1408,7 +1416,7 @@
           <a:p>
             <a:fld id="{2995FB0E-6C8F-4FDC-B0F6-022F5A61415A}" type="datetimeFigureOut">
               <a:rPr lang="en-US" smtClean="0"/>
-              <a:t>8/14/2022</a:t>
+              <a:t>8/15/2022</a:t>
             </a:fld>
             <a:endParaRPr lang="en-US"/>
           </a:p>
@@ -1820,7 +1828,7 @@
           <a:p>
             <a:fld id="{2995FB0E-6C8F-4FDC-B0F6-022F5A61415A}" type="datetimeFigureOut">
               <a:rPr lang="en-US" smtClean="0"/>
-              <a:t>8/14/2022</a:t>
+              <a:t>8/15/2022</a:t>
             </a:fld>
             <a:endParaRPr lang="en-US"/>
           </a:p>
@@ -1961,7 +1969,7 @@
           <a:p>
             <a:fld id="{2995FB0E-6C8F-4FDC-B0F6-022F5A61415A}" type="datetimeFigureOut">
               <a:rPr lang="en-US" smtClean="0"/>
-              <a:t>8/14/2022</a:t>
+              <a:t>8/15/2022</a:t>
             </a:fld>
             <a:endParaRPr lang="en-US"/>
           </a:p>
@@ -2074,7 +2082,7 @@
           <a:p>
             <a:fld id="{2995FB0E-6C8F-4FDC-B0F6-022F5A61415A}" type="datetimeFigureOut">
               <a:rPr lang="en-US" smtClean="0"/>
-              <a:t>8/14/2022</a:t>
+              <a:t>8/15/2022</a:t>
             </a:fld>
             <a:endParaRPr lang="en-US"/>
           </a:p>
@@ -2385,7 +2393,7 @@
           <a:p>
             <a:fld id="{2995FB0E-6C8F-4FDC-B0F6-022F5A61415A}" type="datetimeFigureOut">
               <a:rPr lang="en-US" smtClean="0"/>
-              <a:t>8/14/2022</a:t>
+              <a:t>8/15/2022</a:t>
             </a:fld>
             <a:endParaRPr lang="en-US"/>
           </a:p>
@@ -2673,7 +2681,7 @@
           <a:p>
             <a:fld id="{2995FB0E-6C8F-4FDC-B0F6-022F5A61415A}" type="datetimeFigureOut">
               <a:rPr lang="en-US" smtClean="0"/>
-              <a:t>8/14/2022</a:t>
+              <a:t>8/15/2022</a:t>
             </a:fld>
             <a:endParaRPr lang="en-US"/>
           </a:p>
@@ -2914,7 +2922,7 @@
           <a:p>
             <a:fld id="{2995FB0E-6C8F-4FDC-B0F6-022F5A61415A}" type="datetimeFigureOut">
               <a:rPr lang="en-US" smtClean="0"/>
-              <a:t>8/14/2022</a:t>
+              <a:t>8/15/2022</a:t>
             </a:fld>
             <a:endParaRPr lang="en-US"/>
           </a:p>
@@ -3331,98 +3339,338 @@
           <a:chExt cx="0" cy="0"/>
         </a:xfrm>
       </p:grpSpPr>
-      <p:pic>
-        <p:nvPicPr>
-          <p:cNvPr id="3" name="Picture 2" descr="Chart, scatter chart&#10;&#10;Description automatically generated">
-            <a:extLst>
-              <a:ext uri="{FF2B5EF4-FFF2-40B4-BE49-F238E27FC236}">
-                <a16:creationId xmlns:a16="http://schemas.microsoft.com/office/drawing/2014/main" id="{54755FDD-FD91-E19C-57A1-F60C80BA313D}"/>
-              </a:ext>
-            </a:extLst>
-          </p:cNvPr>
-          <p:cNvPicPr>
-            <a:picLocks noChangeAspect="1"/>
-          </p:cNvPicPr>
+      <p:sp>
+        <p:nvSpPr>
+          <p:cNvPr id="3" name="Content Placeholder 2">
+            <a:extLst>
+              <a:ext uri="{FF2B5EF4-FFF2-40B4-BE49-F238E27FC236}">
+                <a16:creationId xmlns:a16="http://schemas.microsoft.com/office/drawing/2014/main" id="{D892C4BA-411A-6C95-F3B7-03D320CA345C}"/>
+              </a:ext>
+            </a:extLst>
+          </p:cNvPr>
+          <p:cNvSpPr>
+            <a:spLocks noGrp="1"/>
+          </p:cNvSpPr>
+          <p:nvPr>
+            <p:ph idx="1"/>
+          </p:nvPr>
+        </p:nvSpPr>
+        <p:spPr>
+          <a:xfrm>
+            <a:off x="838200" y="2228129"/>
+            <a:ext cx="10515600" cy="1603375"/>
+          </a:xfrm>
+        </p:spPr>
+        <p:txBody>
+          <a:bodyPr>
+            <a:normAutofit lnSpcReduction="10000"/>
+          </a:bodyPr>
+          <a:lstStyle/>
+          <a:p>
+            <a:r>
+              <a:rPr lang="en-US" dirty="0">
+                <a:effectLst/>
+                <a:latin typeface="Calibri" panose="020F0502020204030204" pitchFamily="34" charset="0"/>
+                <a:ea typeface="Calibri" panose="020F0502020204030204" pitchFamily="34" charset="0"/>
+                <a:cs typeface="Times New Roman" panose="02020603050405020304" pitchFamily="18" charset="0"/>
+              </a:rPr>
+              <a:t>The Question:</a:t>
+            </a:r>
+          </a:p>
+          <a:p>
+            <a:pPr marL="0" indent="0">
+              <a:buNone/>
+            </a:pPr>
+            <a:r>
+              <a:rPr lang="en-US" dirty="0">
+                <a:effectLst/>
+                <a:latin typeface="Calibri" panose="020F0502020204030204" pitchFamily="34" charset="0"/>
+                <a:ea typeface="Calibri" panose="020F0502020204030204" pitchFamily="34" charset="0"/>
+                <a:cs typeface="Times New Roman" panose="02020603050405020304" pitchFamily="18" charset="0"/>
+              </a:rPr>
+              <a:t>If given housing parameters in a dataset </a:t>
+            </a:r>
+            <a:r>
+              <a:rPr lang="en-US" dirty="0">
+                <a:latin typeface="Calibri" panose="020F0502020204030204" pitchFamily="34" charset="0"/>
+                <a:ea typeface="Calibri" panose="020F0502020204030204" pitchFamily="34" charset="0"/>
+                <a:cs typeface="Times New Roman" panose="02020603050405020304" pitchFamily="18" charset="0"/>
+              </a:rPr>
+              <a:t>from a city in the</a:t>
+            </a:r>
+            <a:r>
+              <a:rPr lang="en-US" dirty="0">
+                <a:effectLst/>
+                <a:latin typeface="Calibri" panose="020F0502020204030204" pitchFamily="34" charset="0"/>
+                <a:ea typeface="Calibri" panose="020F0502020204030204" pitchFamily="34" charset="0"/>
+                <a:cs typeface="Times New Roman" panose="02020603050405020304" pitchFamily="18" charset="0"/>
+              </a:rPr>
+              <a:t> state of Iowa, can we determine what is the most abundant and affordable housing based on the type and layout of the house?</a:t>
+            </a:r>
+          </a:p>
+          <a:p>
+            <a:endParaRPr lang="en-US" dirty="0"/>
+          </a:p>
+        </p:txBody>
+      </p:sp>
+      <p:sp>
+        <p:nvSpPr>
+          <p:cNvPr id="4" name="Content Placeholder 2">
+            <a:extLst>
+              <a:ext uri="{FF2B5EF4-FFF2-40B4-BE49-F238E27FC236}">
+                <a16:creationId xmlns:a16="http://schemas.microsoft.com/office/drawing/2014/main" id="{CFD4601A-22C9-363E-BBE1-A53078F41733}"/>
+              </a:ext>
+            </a:extLst>
+          </p:cNvPr>
+          <p:cNvSpPr txBox="1">
+            <a:spLocks/>
+          </p:cNvSpPr>
           <p:nvPr/>
-        </p:nvPicPr>
-        <p:blipFill>
-          <a:blip r:embed="rId2">
-            <a:extLst>
-              <a:ext uri="{28A0092B-C50C-407E-A947-70E740481C1C}">
-                <a14:useLocalDpi xmlns:a14="http://schemas.microsoft.com/office/drawing/2010/main" val="0"/>
-              </a:ext>
-            </a:extLst>
-          </a:blip>
-          <a:stretch>
-            <a:fillRect/>
-          </a:stretch>
-        </p:blipFill>
-        <p:spPr>
-          <a:xfrm>
-            <a:off x="731168" y="114300"/>
-            <a:ext cx="10729664" cy="6629400"/>
+        </p:nvSpPr>
+        <p:spPr>
+          <a:xfrm>
+            <a:off x="838200" y="4623232"/>
+            <a:ext cx="10515600" cy="1603375"/>
           </a:xfrm>
           <a:prstGeom prst="rect">
             <a:avLst/>
           </a:prstGeom>
         </p:spPr>
-      </p:pic>
-      <p:sp>
-        <p:nvSpPr>
-          <p:cNvPr id="4" name="Rectangle 3">
-            <a:extLst>
-              <a:ext uri="{FF2B5EF4-FFF2-40B4-BE49-F238E27FC236}">
-                <a16:creationId xmlns:a16="http://schemas.microsoft.com/office/drawing/2014/main" id="{871CE42B-C7FD-EDEF-5368-A2252A07F55E}"/>
-              </a:ext>
-            </a:extLst>
-          </p:cNvPr>
-          <p:cNvSpPr/>
-          <p:nvPr/>
-        </p:nvSpPr>
-        <p:spPr>
-          <a:xfrm>
-            <a:off x="1927508" y="1963876"/>
-            <a:ext cx="2260028" cy="4171952"/>
-          </a:xfrm>
-          <a:prstGeom prst="rect">
-            <a:avLst/>
-          </a:prstGeom>
-          <a:noFill/>
-          <a:ln w="28575">
-            <a:solidFill>
-              <a:schemeClr val="tx1"/>
-            </a:solidFill>
-          </a:ln>
-        </p:spPr>
-        <p:style>
-          <a:lnRef idx="2">
-            <a:schemeClr val="accent1">
-              <a:shade val="50000"/>
-            </a:schemeClr>
-          </a:lnRef>
-          <a:fillRef idx="1">
-            <a:schemeClr val="accent1"/>
-          </a:fillRef>
-          <a:effectRef idx="0">
-            <a:schemeClr val="accent1"/>
-          </a:effectRef>
-          <a:fontRef idx="minor">
-            <a:schemeClr val="lt1"/>
-          </a:fontRef>
-        </p:style>
-        <p:txBody>
-          <a:bodyPr rtlCol="0" anchor="ctr"/>
-          <a:lstStyle/>
-          <a:p>
-            <a:pPr algn="ctr"/>
-            <a:endParaRPr lang="en-US"/>
+        <p:txBody>
+          <a:bodyPr vert="horz" lIns="91440" tIns="45720" rIns="91440" bIns="45720" rtlCol="0">
+            <a:normAutofit/>
+          </a:bodyPr>
+          <a:lstStyle>
+            <a:lvl1pPr marL="228600" indent="-228600" algn="l" defTabSz="914400" rtl="0" eaLnBrk="1" latinLnBrk="0" hangingPunct="1">
+              <a:lnSpc>
+                <a:spcPct val="90000"/>
+              </a:lnSpc>
+              <a:spcBef>
+                <a:spcPts val="1000"/>
+              </a:spcBef>
+              <a:buFont typeface="Arial" panose="020B0604020202020204" pitchFamily="34" charset="0"/>
+              <a:buChar char="•"/>
+              <a:defRPr sz="2800" kern="1200">
+                <a:solidFill>
+                  <a:schemeClr val="tx1"/>
+                </a:solidFill>
+                <a:latin typeface="+mn-lt"/>
+                <a:ea typeface="+mn-ea"/>
+                <a:cs typeface="+mn-cs"/>
+              </a:defRPr>
+            </a:lvl1pPr>
+            <a:lvl2pPr marL="685800" indent="-228600" algn="l" defTabSz="914400" rtl="0" eaLnBrk="1" latinLnBrk="0" hangingPunct="1">
+              <a:lnSpc>
+                <a:spcPct val="90000"/>
+              </a:lnSpc>
+              <a:spcBef>
+                <a:spcPts val="500"/>
+              </a:spcBef>
+              <a:buFont typeface="Arial" panose="020B0604020202020204" pitchFamily="34" charset="0"/>
+              <a:buChar char="•"/>
+              <a:defRPr sz="2400" kern="1200">
+                <a:solidFill>
+                  <a:schemeClr val="tx1"/>
+                </a:solidFill>
+                <a:latin typeface="+mn-lt"/>
+                <a:ea typeface="+mn-ea"/>
+                <a:cs typeface="+mn-cs"/>
+              </a:defRPr>
+            </a:lvl2pPr>
+            <a:lvl3pPr marL="1143000" indent="-228600" algn="l" defTabSz="914400" rtl="0" eaLnBrk="1" latinLnBrk="0" hangingPunct="1">
+              <a:lnSpc>
+                <a:spcPct val="90000"/>
+              </a:lnSpc>
+              <a:spcBef>
+                <a:spcPts val="500"/>
+              </a:spcBef>
+              <a:buFont typeface="Arial" panose="020B0604020202020204" pitchFamily="34" charset="0"/>
+              <a:buChar char="•"/>
+              <a:defRPr sz="2000" kern="1200">
+                <a:solidFill>
+                  <a:schemeClr val="tx1"/>
+                </a:solidFill>
+                <a:latin typeface="+mn-lt"/>
+                <a:ea typeface="+mn-ea"/>
+                <a:cs typeface="+mn-cs"/>
+              </a:defRPr>
+            </a:lvl3pPr>
+            <a:lvl4pPr marL="1600200" indent="-228600" algn="l" defTabSz="914400" rtl="0" eaLnBrk="1" latinLnBrk="0" hangingPunct="1">
+              <a:lnSpc>
+                <a:spcPct val="90000"/>
+              </a:lnSpc>
+              <a:spcBef>
+                <a:spcPts val="500"/>
+              </a:spcBef>
+              <a:buFont typeface="Arial" panose="020B0604020202020204" pitchFamily="34" charset="0"/>
+              <a:buChar char="•"/>
+              <a:defRPr sz="1800" kern="1200">
+                <a:solidFill>
+                  <a:schemeClr val="tx1"/>
+                </a:solidFill>
+                <a:latin typeface="+mn-lt"/>
+                <a:ea typeface="+mn-ea"/>
+                <a:cs typeface="+mn-cs"/>
+              </a:defRPr>
+            </a:lvl4pPr>
+            <a:lvl5pPr marL="2057400" indent="-228600" algn="l" defTabSz="914400" rtl="0" eaLnBrk="1" latinLnBrk="0" hangingPunct="1">
+              <a:lnSpc>
+                <a:spcPct val="90000"/>
+              </a:lnSpc>
+              <a:spcBef>
+                <a:spcPts val="500"/>
+              </a:spcBef>
+              <a:buFont typeface="Arial" panose="020B0604020202020204" pitchFamily="34" charset="0"/>
+              <a:buChar char="•"/>
+              <a:defRPr sz="1800" kern="1200">
+                <a:solidFill>
+                  <a:schemeClr val="tx1"/>
+                </a:solidFill>
+                <a:latin typeface="+mn-lt"/>
+                <a:ea typeface="+mn-ea"/>
+                <a:cs typeface="+mn-cs"/>
+              </a:defRPr>
+            </a:lvl5pPr>
+            <a:lvl6pPr marL="2514600" indent="-228600" algn="l" defTabSz="914400" rtl="0" eaLnBrk="1" latinLnBrk="0" hangingPunct="1">
+              <a:lnSpc>
+                <a:spcPct val="90000"/>
+              </a:lnSpc>
+              <a:spcBef>
+                <a:spcPts val="500"/>
+              </a:spcBef>
+              <a:buFont typeface="Arial" panose="020B0604020202020204" pitchFamily="34" charset="0"/>
+              <a:buChar char="•"/>
+              <a:defRPr sz="1800" kern="1200">
+                <a:solidFill>
+                  <a:schemeClr val="tx1"/>
+                </a:solidFill>
+                <a:latin typeface="+mn-lt"/>
+                <a:ea typeface="+mn-ea"/>
+                <a:cs typeface="+mn-cs"/>
+              </a:defRPr>
+            </a:lvl6pPr>
+            <a:lvl7pPr marL="2971800" indent="-228600" algn="l" defTabSz="914400" rtl="0" eaLnBrk="1" latinLnBrk="0" hangingPunct="1">
+              <a:lnSpc>
+                <a:spcPct val="90000"/>
+              </a:lnSpc>
+              <a:spcBef>
+                <a:spcPts val="500"/>
+              </a:spcBef>
+              <a:buFont typeface="Arial" panose="020B0604020202020204" pitchFamily="34" charset="0"/>
+              <a:buChar char="•"/>
+              <a:defRPr sz="1800" kern="1200">
+                <a:solidFill>
+                  <a:schemeClr val="tx1"/>
+                </a:solidFill>
+                <a:latin typeface="+mn-lt"/>
+                <a:ea typeface="+mn-ea"/>
+                <a:cs typeface="+mn-cs"/>
+              </a:defRPr>
+            </a:lvl7pPr>
+            <a:lvl8pPr marL="3429000" indent="-228600" algn="l" defTabSz="914400" rtl="0" eaLnBrk="1" latinLnBrk="0" hangingPunct="1">
+              <a:lnSpc>
+                <a:spcPct val="90000"/>
+              </a:lnSpc>
+              <a:spcBef>
+                <a:spcPts val="500"/>
+              </a:spcBef>
+              <a:buFont typeface="Arial" panose="020B0604020202020204" pitchFamily="34" charset="0"/>
+              <a:buChar char="•"/>
+              <a:defRPr sz="1800" kern="1200">
+                <a:solidFill>
+                  <a:schemeClr val="tx1"/>
+                </a:solidFill>
+                <a:latin typeface="+mn-lt"/>
+                <a:ea typeface="+mn-ea"/>
+                <a:cs typeface="+mn-cs"/>
+              </a:defRPr>
+            </a:lvl8pPr>
+            <a:lvl9pPr marL="3886200" indent="-228600" algn="l" defTabSz="914400" rtl="0" eaLnBrk="1" latinLnBrk="0" hangingPunct="1">
+              <a:lnSpc>
+                <a:spcPct val="90000"/>
+              </a:lnSpc>
+              <a:spcBef>
+                <a:spcPts val="500"/>
+              </a:spcBef>
+              <a:buFont typeface="Arial" panose="020B0604020202020204" pitchFamily="34" charset="0"/>
+              <a:buChar char="•"/>
+              <a:defRPr sz="1800" kern="1200">
+                <a:solidFill>
+                  <a:schemeClr val="tx1"/>
+                </a:solidFill>
+                <a:latin typeface="+mn-lt"/>
+                <a:ea typeface="+mn-ea"/>
+                <a:cs typeface="+mn-cs"/>
+              </a:defRPr>
+            </a:lvl9pPr>
+          </a:lstStyle>
+          <a:p>
+            <a:pPr marL="0" indent="0">
+              <a:buNone/>
+            </a:pPr>
+            <a:r>
+              <a:rPr lang="en-US" sz="2400" dirty="0"/>
+              <a:t>Final Project</a:t>
+            </a:r>
+          </a:p>
+          <a:p>
+            <a:pPr marL="0" indent="0">
+              <a:buNone/>
+            </a:pPr>
+            <a:r>
+              <a:rPr lang="en-US" sz="2400" dirty="0"/>
+              <a:t>Michael Ayala</a:t>
+            </a:r>
+          </a:p>
+          <a:p>
+            <a:pPr marL="0" indent="0">
+              <a:buNone/>
+            </a:pPr>
+            <a:r>
+              <a:rPr lang="en-US" sz="2400" dirty="0"/>
+              <a:t>INFO 523 </a:t>
+            </a:r>
+          </a:p>
+          <a:p>
+            <a:pPr marL="0" indent="0" algn="ctr">
+              <a:buNone/>
+            </a:pPr>
+            <a:endParaRPr lang="en-US" dirty="0"/>
+          </a:p>
+        </p:txBody>
+      </p:sp>
+      <p:sp>
+        <p:nvSpPr>
+          <p:cNvPr id="6" name="Title 5">
+            <a:extLst>
+              <a:ext uri="{FF2B5EF4-FFF2-40B4-BE49-F238E27FC236}">
+                <a16:creationId xmlns:a16="http://schemas.microsoft.com/office/drawing/2014/main" id="{0ABFB258-8BD1-03F9-201C-91D6B7DB9274}"/>
+              </a:ext>
+            </a:extLst>
+          </p:cNvPr>
+          <p:cNvSpPr>
+            <a:spLocks noGrp="1"/>
+          </p:cNvSpPr>
+          <p:nvPr>
+            <p:ph type="title"/>
+          </p:nvPr>
+        </p:nvSpPr>
+        <p:spPr/>
+        <p:txBody>
+          <a:bodyPr/>
+          <a:lstStyle/>
+          <a:p>
+            <a:r>
+              <a:rPr lang="en-US" dirty="0"/>
+              <a:t>Housing Data</a:t>
+            </a:r>
           </a:p>
         </p:txBody>
       </p:sp>
     </p:spTree>
     <p:extLst>
       <p:ext uri="{BB962C8B-B14F-4D97-AF65-F5344CB8AC3E}">
-        <p14:creationId xmlns:p14="http://schemas.microsoft.com/office/powerpoint/2010/main" val="230598498"/>
+        <p14:creationId xmlns:p14="http://schemas.microsoft.com/office/powerpoint/2010/main" val="1224004502"/>
       </p:ext>
     </p:extLst>
   </p:cSld>
@@ -3451,10 +3699,10 @@
       </p:grpSpPr>
       <p:pic>
         <p:nvPicPr>
-          <p:cNvPr id="4" name="Picture 3" descr="Chart, radar chart&#10;&#10;Description automatically generated">
-            <a:extLst>
-              <a:ext uri="{FF2B5EF4-FFF2-40B4-BE49-F238E27FC236}">
-                <a16:creationId xmlns:a16="http://schemas.microsoft.com/office/drawing/2014/main" id="{2CB67DBF-6CCC-DC15-308F-64A1F4B91DF2}"/>
+          <p:cNvPr id="17" name="Picture 16" descr="Chart, radar chart&#10;&#10;Description automatically generated">
+            <a:extLst>
+              <a:ext uri="{FF2B5EF4-FFF2-40B4-BE49-F238E27FC236}">
+                <a16:creationId xmlns:a16="http://schemas.microsoft.com/office/drawing/2014/main" id="{531AA170-DC8C-58D7-09E1-39614F274977}"/>
               </a:ext>
             </a:extLst>
           </p:cNvPr>
@@ -3477,8 +3725,8 @@
         </p:blipFill>
         <p:spPr>
           <a:xfrm>
-            <a:off x="731168" y="114300"/>
-            <a:ext cx="10729664" cy="6629400"/>
+            <a:off x="574886" y="114300"/>
+            <a:ext cx="10742085" cy="6629400"/>
           </a:xfrm>
           <a:prstGeom prst="rect">
             <a:avLst/>
@@ -3534,7 +3782,7 @@
         </p:nvSpPr>
         <p:spPr>
           <a:xfrm>
-            <a:off x="3231572" y="1018307"/>
+            <a:off x="1491095" y="1037175"/>
             <a:ext cx="2213263" cy="288578"/>
           </a:xfrm>
           <a:prstGeom prst="rect">
@@ -3586,8 +3834,8 @@
         </p:nvSpPr>
         <p:spPr>
           <a:xfrm>
-            <a:off x="1444334" y="4005693"/>
-            <a:ext cx="1956091" cy="288578"/>
+            <a:off x="2826326" y="5532247"/>
+            <a:ext cx="1511877" cy="288578"/>
           </a:xfrm>
           <a:prstGeom prst="rect">
             <a:avLst/>
@@ -3638,8 +3886,8 @@
         </p:nvSpPr>
         <p:spPr>
           <a:xfrm>
-            <a:off x="4203123" y="3002972"/>
-            <a:ext cx="1514474" cy="290945"/>
+            <a:off x="4338203" y="3020928"/>
+            <a:ext cx="2088574" cy="288578"/>
           </a:xfrm>
           <a:prstGeom prst="rect">
             <a:avLst/>
@@ -3690,8 +3938,8 @@
         </p:nvSpPr>
         <p:spPr>
           <a:xfrm>
-            <a:off x="5005819" y="3470837"/>
-            <a:ext cx="1956089" cy="267338"/>
+            <a:off x="6917747" y="1900856"/>
+            <a:ext cx="2070389" cy="317604"/>
           </a:xfrm>
           <a:prstGeom prst="rect">
             <a:avLst/>
@@ -3742,7 +3990,7 @@
         </p:nvSpPr>
         <p:spPr>
           <a:xfrm>
-            <a:off x="7429500" y="3974794"/>
+            <a:off x="7855528" y="5008689"/>
             <a:ext cx="1558636" cy="267338"/>
           </a:xfrm>
           <a:prstGeom prst="rect">
@@ -3794,7 +4042,7 @@
         </p:nvSpPr>
         <p:spPr>
           <a:xfrm>
-            <a:off x="3421206" y="3701990"/>
+            <a:off x="1670337" y="3374676"/>
             <a:ext cx="1485900" cy="267338"/>
           </a:xfrm>
           <a:prstGeom prst="rect">
@@ -3834,166 +4082,10 @@
       </p:sp>
       <p:sp>
         <p:nvSpPr>
-          <p:cNvPr id="3" name="Rectangle 2">
-            <a:extLst>
-              <a:ext uri="{FF2B5EF4-FFF2-40B4-BE49-F238E27FC236}">
-                <a16:creationId xmlns:a16="http://schemas.microsoft.com/office/drawing/2014/main" id="{7CE93B66-CF63-93F3-2984-4D5387F3C15A}"/>
-              </a:ext>
-            </a:extLst>
-          </p:cNvPr>
-          <p:cNvSpPr/>
-          <p:nvPr/>
-        </p:nvSpPr>
-        <p:spPr>
-          <a:xfrm>
-            <a:off x="7032047" y="1777572"/>
-            <a:ext cx="2184689" cy="267338"/>
-          </a:xfrm>
-          <a:prstGeom prst="rect">
-            <a:avLst/>
-          </a:prstGeom>
-          <a:noFill/>
-          <a:ln w="28575">
-            <a:solidFill>
-              <a:schemeClr val="tx1"/>
-            </a:solidFill>
-          </a:ln>
-        </p:spPr>
-        <p:style>
-          <a:lnRef idx="2">
-            <a:schemeClr val="accent1">
-              <a:shade val="50000"/>
-            </a:schemeClr>
-          </a:lnRef>
-          <a:fillRef idx="1">
-            <a:schemeClr val="accent1"/>
-          </a:fillRef>
-          <a:effectRef idx="0">
-            <a:schemeClr val="accent1"/>
-          </a:effectRef>
-          <a:fontRef idx="minor">
-            <a:schemeClr val="lt1"/>
-          </a:fontRef>
-        </p:style>
-        <p:txBody>
-          <a:bodyPr rtlCol="0" anchor="ctr"/>
-          <a:lstStyle/>
-          <a:p>
-            <a:pPr algn="ctr"/>
-            <a:endParaRPr lang="en-US"/>
-          </a:p>
-        </p:txBody>
-      </p:sp>
-      <p:sp>
-        <p:nvSpPr>
-          <p:cNvPr id="10" name="Rectangle 9">
-            <a:extLst>
-              <a:ext uri="{FF2B5EF4-FFF2-40B4-BE49-F238E27FC236}">
-                <a16:creationId xmlns:a16="http://schemas.microsoft.com/office/drawing/2014/main" id="{0F52E34C-AA41-98B2-BBFC-CA9232C75BEC}"/>
-              </a:ext>
-            </a:extLst>
-          </p:cNvPr>
-          <p:cNvSpPr/>
-          <p:nvPr/>
-        </p:nvSpPr>
-        <p:spPr>
-          <a:xfrm>
-            <a:off x="6379153" y="5419084"/>
-            <a:ext cx="2021898" cy="267338"/>
-          </a:xfrm>
-          <a:prstGeom prst="rect">
-            <a:avLst/>
-          </a:prstGeom>
-          <a:noFill/>
-          <a:ln w="28575">
-            <a:solidFill>
-              <a:schemeClr val="tx1"/>
-            </a:solidFill>
-          </a:ln>
-        </p:spPr>
-        <p:style>
-          <a:lnRef idx="2">
-            <a:schemeClr val="accent1">
-              <a:shade val="50000"/>
-            </a:schemeClr>
-          </a:lnRef>
-          <a:fillRef idx="1">
-            <a:schemeClr val="accent1"/>
-          </a:fillRef>
-          <a:effectRef idx="0">
-            <a:schemeClr val="accent1"/>
-          </a:effectRef>
-          <a:fontRef idx="minor">
-            <a:schemeClr val="lt1"/>
-          </a:fontRef>
-        </p:style>
-        <p:txBody>
-          <a:bodyPr rtlCol="0" anchor="ctr"/>
-          <a:lstStyle/>
-          <a:p>
-            <a:pPr algn="ctr"/>
-            <a:endParaRPr lang="en-US"/>
-          </a:p>
-        </p:txBody>
-      </p:sp>
-      <p:sp>
-        <p:nvSpPr>
-          <p:cNvPr id="16" name="Rectangle 15">
-            <a:extLst>
-              <a:ext uri="{FF2B5EF4-FFF2-40B4-BE49-F238E27FC236}">
-                <a16:creationId xmlns:a16="http://schemas.microsoft.com/office/drawing/2014/main" id="{2917016C-2E43-C075-945E-9D589C347035}"/>
-              </a:ext>
-            </a:extLst>
-          </p:cNvPr>
-          <p:cNvSpPr/>
-          <p:nvPr/>
-        </p:nvSpPr>
-        <p:spPr>
-          <a:xfrm>
-            <a:off x="3648077" y="5547558"/>
-            <a:ext cx="1485901" cy="267338"/>
-          </a:xfrm>
-          <a:prstGeom prst="rect">
-            <a:avLst/>
-          </a:prstGeom>
-          <a:noFill/>
-          <a:ln w="28575">
-            <a:solidFill>
-              <a:schemeClr val="tx1"/>
-            </a:solidFill>
-          </a:ln>
-        </p:spPr>
-        <p:style>
-          <a:lnRef idx="2">
-            <a:schemeClr val="accent1">
-              <a:shade val="50000"/>
-            </a:schemeClr>
-          </a:lnRef>
-          <a:fillRef idx="1">
-            <a:schemeClr val="accent1"/>
-          </a:fillRef>
-          <a:effectRef idx="0">
-            <a:schemeClr val="accent1"/>
-          </a:effectRef>
-          <a:fontRef idx="minor">
-            <a:schemeClr val="lt1"/>
-          </a:fontRef>
-        </p:style>
-        <p:txBody>
-          <a:bodyPr rtlCol="0" anchor="ctr"/>
-          <a:lstStyle/>
-          <a:p>
-            <a:pPr algn="ctr"/>
-            <a:endParaRPr lang="en-US"/>
-          </a:p>
-        </p:txBody>
-      </p:sp>
-      <p:sp>
-        <p:nvSpPr>
-          <p:cNvPr id="17" name="TextBox 16">
-            <a:extLst>
-              <a:ext uri="{FF2B5EF4-FFF2-40B4-BE49-F238E27FC236}">
-                <a16:creationId xmlns:a16="http://schemas.microsoft.com/office/drawing/2014/main" id="{FAE63566-5C22-07AC-D649-4ACEB44A4D35}"/>
+          <p:cNvPr id="18" name="TextBox 17">
+            <a:extLst>
+              <a:ext uri="{FF2B5EF4-FFF2-40B4-BE49-F238E27FC236}">
+                <a16:creationId xmlns:a16="http://schemas.microsoft.com/office/drawing/2014/main" id="{44178304-09FE-52AC-19E1-5EA289319D5F}"/>
               </a:ext>
             </a:extLst>
           </p:cNvPr>
@@ -4021,7 +4113,7 @@
             <a:pPr algn="ctr"/>
             <a:r>
               <a:rPr lang="en-US" sz="2400" b="1" u="sng" dirty="0"/>
-              <a:t>21 Rules from Machine Learned Data (20% Support)</a:t>
+              <a:t>8 Rules from Machine Learned Data (25% Support)</a:t>
             </a:r>
           </a:p>
         </p:txBody>
@@ -4029,7 +4121,7 @@
     </p:spTree>
     <p:extLst>
       <p:ext uri="{BB962C8B-B14F-4D97-AF65-F5344CB8AC3E}">
-        <p14:creationId xmlns:p14="http://schemas.microsoft.com/office/powerpoint/2010/main" val="1947048194"/>
+        <p14:creationId xmlns:p14="http://schemas.microsoft.com/office/powerpoint/2010/main" val="1196845723"/>
       </p:ext>
     </p:extLst>
   </p:cSld>
@@ -4058,10 +4150,10 @@
       </p:grpSpPr>
       <p:pic>
         <p:nvPicPr>
-          <p:cNvPr id="3" name="Picture 2" descr="Chart, scatter chart&#10;&#10;Description automatically generated">
-            <a:extLst>
-              <a:ext uri="{FF2B5EF4-FFF2-40B4-BE49-F238E27FC236}">
-                <a16:creationId xmlns:a16="http://schemas.microsoft.com/office/drawing/2014/main" id="{8FCA4271-2504-8B95-4761-8279C2592299}"/>
+          <p:cNvPr id="4" name="Picture 3" descr="Chart, table&#10;&#10;Description automatically generated">
+            <a:extLst>
+              <a:ext uri="{FF2B5EF4-FFF2-40B4-BE49-F238E27FC236}">
+                <a16:creationId xmlns:a16="http://schemas.microsoft.com/office/drawing/2014/main" id="{6C26B24D-FB6E-704C-544B-EC18F360614E}"/>
               </a:ext>
             </a:extLst>
           </p:cNvPr>
@@ -4084,8 +4176,8 @@
         </p:blipFill>
         <p:spPr>
           <a:xfrm>
-            <a:off x="731168" y="114300"/>
-            <a:ext cx="10729664" cy="6629400"/>
+            <a:off x="724957" y="114300"/>
+            <a:ext cx="10742085" cy="6629400"/>
           </a:xfrm>
           <a:prstGeom prst="rect">
             <a:avLst/>
@@ -4097,7 +4189,7 @@
           <p:cNvPr id="5" name="TextBox 4">
             <a:extLst>
               <a:ext uri="{FF2B5EF4-FFF2-40B4-BE49-F238E27FC236}">
-                <a16:creationId xmlns:a16="http://schemas.microsoft.com/office/drawing/2014/main" id="{8BF6F045-04CB-8A90-9D10-070F3713C552}"/>
+                <a16:creationId xmlns:a16="http://schemas.microsoft.com/office/drawing/2014/main" id="{236C5208-28F1-5F58-7220-BB0B047DF750}"/>
               </a:ext>
             </a:extLst>
           </p:cNvPr>
@@ -4125,6 +4217,717 @@
             <a:pPr algn="ctr"/>
             <a:r>
               <a:rPr lang="en-US" sz="2400" b="1" u="sng" dirty="0"/>
+              <a:t>8 Rules from Machine Learned Data (25% Support)</a:t>
+            </a:r>
+          </a:p>
+        </p:txBody>
+      </p:sp>
+    </p:spTree>
+    <p:extLst>
+      <p:ext uri="{BB962C8B-B14F-4D97-AF65-F5344CB8AC3E}">
+        <p14:creationId xmlns:p14="http://schemas.microsoft.com/office/powerpoint/2010/main" val="3166642792"/>
+      </p:ext>
+    </p:extLst>
+  </p:cSld>
+  <p:clrMapOvr>
+    <a:masterClrMapping/>
+  </p:clrMapOvr>
+</p:sld>
+</file>
+
+<file path=ppt/slides/slide12.xml><?xml version="1.0" encoding="utf-8"?>
+<p:sld xmlns:a="http://schemas.openxmlformats.org/drawingml/2006/main" xmlns:r="http://schemas.openxmlformats.org/officeDocument/2006/relationships" xmlns:p="http://schemas.openxmlformats.org/presentationml/2006/main">
+  <p:cSld>
+    <p:spTree>
+      <p:nvGrpSpPr>
+        <p:cNvPr id="1" name=""/>
+        <p:cNvGrpSpPr/>
+        <p:nvPr/>
+      </p:nvGrpSpPr>
+      <p:grpSpPr>
+        <a:xfrm>
+          <a:off x="0" y="0"/>
+          <a:ext cx="0" cy="0"/>
+          <a:chOff x="0" y="0"/>
+          <a:chExt cx="0" cy="0"/>
+        </a:xfrm>
+      </p:grpSpPr>
+      <p:pic>
+        <p:nvPicPr>
+          <p:cNvPr id="4" name="Picture 3" descr="Chart, radar chart&#10;&#10;Description automatically generated">
+            <a:extLst>
+              <a:ext uri="{FF2B5EF4-FFF2-40B4-BE49-F238E27FC236}">
+                <a16:creationId xmlns:a16="http://schemas.microsoft.com/office/drawing/2014/main" id="{2CB67DBF-6CCC-DC15-308F-64A1F4B91DF2}"/>
+              </a:ext>
+            </a:extLst>
+          </p:cNvPr>
+          <p:cNvPicPr>
+            <a:picLocks noChangeAspect="1"/>
+          </p:cNvPicPr>
+          <p:nvPr/>
+        </p:nvPicPr>
+        <p:blipFill>
+          <a:blip r:embed="rId2">
+            <a:extLst>
+              <a:ext uri="{28A0092B-C50C-407E-A947-70E740481C1C}">
+                <a14:useLocalDpi xmlns:a14="http://schemas.microsoft.com/office/drawing/2010/main" val="0"/>
+              </a:ext>
+            </a:extLst>
+          </a:blip>
+          <a:stretch>
+            <a:fillRect/>
+          </a:stretch>
+        </p:blipFill>
+        <p:spPr>
+          <a:xfrm>
+            <a:off x="731168" y="114300"/>
+            <a:ext cx="10729664" cy="6629400"/>
+          </a:xfrm>
+          <a:prstGeom prst="rect">
+            <a:avLst/>
+          </a:prstGeom>
+        </p:spPr>
+      </p:pic>
+      <p:sp>
+        <p:nvSpPr>
+          <p:cNvPr id="7" name="TextBox 6">
+            <a:extLst>
+              <a:ext uri="{FF2B5EF4-FFF2-40B4-BE49-F238E27FC236}">
+                <a16:creationId xmlns:a16="http://schemas.microsoft.com/office/drawing/2014/main" id="{C7ED2423-9DE9-B041-17B9-9B4D3FEB48ED}"/>
+              </a:ext>
+            </a:extLst>
+          </p:cNvPr>
+          <p:cNvSpPr txBox="1"/>
+          <p:nvPr/>
+        </p:nvSpPr>
+        <p:spPr>
+          <a:xfrm>
+            <a:off x="3400425" y="6133280"/>
+            <a:ext cx="6385215" cy="646331"/>
+          </a:xfrm>
+          <a:prstGeom prst="rect">
+            <a:avLst/>
+          </a:prstGeom>
+          <a:noFill/>
+        </p:spPr>
+        <p:txBody>
+          <a:bodyPr wrap="square" rtlCol="0">
+            <a:spAutoFit/>
+          </a:bodyPr>
+          <a:lstStyle/>
+          <a:p>
+            <a:r>
+              <a:rPr lang="en-US" dirty="0"/>
+              <a:t>It is determined that all previous information gathered is proven by the rules that the machine learning algorithm created for us. </a:t>
+            </a:r>
+          </a:p>
+        </p:txBody>
+      </p:sp>
+      <p:sp>
+        <p:nvSpPr>
+          <p:cNvPr id="8" name="Rectangle 7">
+            <a:extLst>
+              <a:ext uri="{FF2B5EF4-FFF2-40B4-BE49-F238E27FC236}">
+                <a16:creationId xmlns:a16="http://schemas.microsoft.com/office/drawing/2014/main" id="{7A603E1F-14BC-1D79-0A6F-8BCAD73AFEED}"/>
+              </a:ext>
+            </a:extLst>
+          </p:cNvPr>
+          <p:cNvSpPr/>
+          <p:nvPr/>
+        </p:nvSpPr>
+        <p:spPr>
+          <a:xfrm>
+            <a:off x="3231572" y="1018307"/>
+            <a:ext cx="2213263" cy="288578"/>
+          </a:xfrm>
+          <a:prstGeom prst="rect">
+            <a:avLst/>
+          </a:prstGeom>
+          <a:noFill/>
+          <a:ln w="28575">
+            <a:solidFill>
+              <a:schemeClr val="tx1"/>
+            </a:solidFill>
+          </a:ln>
+        </p:spPr>
+        <p:style>
+          <a:lnRef idx="2">
+            <a:schemeClr val="accent1">
+              <a:shade val="50000"/>
+            </a:schemeClr>
+          </a:lnRef>
+          <a:fillRef idx="1">
+            <a:schemeClr val="accent1"/>
+          </a:fillRef>
+          <a:effectRef idx="0">
+            <a:schemeClr val="accent1"/>
+          </a:effectRef>
+          <a:fontRef idx="minor">
+            <a:schemeClr val="lt1"/>
+          </a:fontRef>
+        </p:style>
+        <p:txBody>
+          <a:bodyPr rtlCol="0" anchor="ctr"/>
+          <a:lstStyle/>
+          <a:p>
+            <a:pPr algn="ctr"/>
+            <a:endParaRPr lang="en-US"/>
+          </a:p>
+        </p:txBody>
+      </p:sp>
+      <p:sp>
+        <p:nvSpPr>
+          <p:cNvPr id="11" name="Rectangle 10">
+            <a:extLst>
+              <a:ext uri="{FF2B5EF4-FFF2-40B4-BE49-F238E27FC236}">
+                <a16:creationId xmlns:a16="http://schemas.microsoft.com/office/drawing/2014/main" id="{3FFAF707-D3D6-CE2B-05A1-9D21C2FBC97A}"/>
+              </a:ext>
+            </a:extLst>
+          </p:cNvPr>
+          <p:cNvSpPr/>
+          <p:nvPr/>
+        </p:nvSpPr>
+        <p:spPr>
+          <a:xfrm>
+            <a:off x="1444334" y="4005693"/>
+            <a:ext cx="1956091" cy="288578"/>
+          </a:xfrm>
+          <a:prstGeom prst="rect">
+            <a:avLst/>
+          </a:prstGeom>
+          <a:noFill/>
+          <a:ln w="28575">
+            <a:solidFill>
+              <a:schemeClr val="tx1"/>
+            </a:solidFill>
+          </a:ln>
+        </p:spPr>
+        <p:style>
+          <a:lnRef idx="2">
+            <a:schemeClr val="accent1">
+              <a:shade val="50000"/>
+            </a:schemeClr>
+          </a:lnRef>
+          <a:fillRef idx="1">
+            <a:schemeClr val="accent1"/>
+          </a:fillRef>
+          <a:effectRef idx="0">
+            <a:schemeClr val="accent1"/>
+          </a:effectRef>
+          <a:fontRef idx="minor">
+            <a:schemeClr val="lt1"/>
+          </a:fontRef>
+        </p:style>
+        <p:txBody>
+          <a:bodyPr rtlCol="0" anchor="ctr"/>
+          <a:lstStyle/>
+          <a:p>
+            <a:pPr algn="ctr"/>
+            <a:endParaRPr lang="en-US"/>
+          </a:p>
+        </p:txBody>
+      </p:sp>
+      <p:sp>
+        <p:nvSpPr>
+          <p:cNvPr id="12" name="Rectangle 11">
+            <a:extLst>
+              <a:ext uri="{FF2B5EF4-FFF2-40B4-BE49-F238E27FC236}">
+                <a16:creationId xmlns:a16="http://schemas.microsoft.com/office/drawing/2014/main" id="{B9D5148A-3E8F-2758-7E5E-488E69E15A4A}"/>
+              </a:ext>
+            </a:extLst>
+          </p:cNvPr>
+          <p:cNvSpPr/>
+          <p:nvPr/>
+        </p:nvSpPr>
+        <p:spPr>
+          <a:xfrm>
+            <a:off x="4203123" y="3002972"/>
+            <a:ext cx="1514474" cy="290945"/>
+          </a:xfrm>
+          <a:prstGeom prst="rect">
+            <a:avLst/>
+          </a:prstGeom>
+          <a:noFill/>
+          <a:ln w="28575">
+            <a:solidFill>
+              <a:schemeClr val="tx1"/>
+            </a:solidFill>
+          </a:ln>
+        </p:spPr>
+        <p:style>
+          <a:lnRef idx="2">
+            <a:schemeClr val="accent1">
+              <a:shade val="50000"/>
+            </a:schemeClr>
+          </a:lnRef>
+          <a:fillRef idx="1">
+            <a:schemeClr val="accent1"/>
+          </a:fillRef>
+          <a:effectRef idx="0">
+            <a:schemeClr val="accent1"/>
+          </a:effectRef>
+          <a:fontRef idx="minor">
+            <a:schemeClr val="lt1"/>
+          </a:fontRef>
+        </p:style>
+        <p:txBody>
+          <a:bodyPr rtlCol="0" anchor="ctr"/>
+          <a:lstStyle/>
+          <a:p>
+            <a:pPr algn="ctr"/>
+            <a:endParaRPr lang="en-US"/>
+          </a:p>
+        </p:txBody>
+      </p:sp>
+      <p:sp>
+        <p:nvSpPr>
+          <p:cNvPr id="13" name="Rectangle 12">
+            <a:extLst>
+              <a:ext uri="{FF2B5EF4-FFF2-40B4-BE49-F238E27FC236}">
+                <a16:creationId xmlns:a16="http://schemas.microsoft.com/office/drawing/2014/main" id="{66ECCDF4-5B53-39BF-E0B1-0F10E771344A}"/>
+              </a:ext>
+            </a:extLst>
+          </p:cNvPr>
+          <p:cNvSpPr/>
+          <p:nvPr/>
+        </p:nvSpPr>
+        <p:spPr>
+          <a:xfrm>
+            <a:off x="5005819" y="3470837"/>
+            <a:ext cx="1956089" cy="267338"/>
+          </a:xfrm>
+          <a:prstGeom prst="rect">
+            <a:avLst/>
+          </a:prstGeom>
+          <a:noFill/>
+          <a:ln w="28575">
+            <a:solidFill>
+              <a:schemeClr val="tx1"/>
+            </a:solidFill>
+          </a:ln>
+        </p:spPr>
+        <p:style>
+          <a:lnRef idx="2">
+            <a:schemeClr val="accent1">
+              <a:shade val="50000"/>
+            </a:schemeClr>
+          </a:lnRef>
+          <a:fillRef idx="1">
+            <a:schemeClr val="accent1"/>
+          </a:fillRef>
+          <a:effectRef idx="0">
+            <a:schemeClr val="accent1"/>
+          </a:effectRef>
+          <a:fontRef idx="minor">
+            <a:schemeClr val="lt1"/>
+          </a:fontRef>
+        </p:style>
+        <p:txBody>
+          <a:bodyPr rtlCol="0" anchor="ctr"/>
+          <a:lstStyle/>
+          <a:p>
+            <a:pPr algn="ctr"/>
+            <a:endParaRPr lang="en-US"/>
+          </a:p>
+        </p:txBody>
+      </p:sp>
+      <p:sp>
+        <p:nvSpPr>
+          <p:cNvPr id="14" name="Rectangle 13">
+            <a:extLst>
+              <a:ext uri="{FF2B5EF4-FFF2-40B4-BE49-F238E27FC236}">
+                <a16:creationId xmlns:a16="http://schemas.microsoft.com/office/drawing/2014/main" id="{D5FC2D6B-7230-BB1A-D6AC-B7D1844BF711}"/>
+              </a:ext>
+            </a:extLst>
+          </p:cNvPr>
+          <p:cNvSpPr/>
+          <p:nvPr/>
+        </p:nvSpPr>
+        <p:spPr>
+          <a:xfrm>
+            <a:off x="7429500" y="3974794"/>
+            <a:ext cx="1558636" cy="267338"/>
+          </a:xfrm>
+          <a:prstGeom prst="rect">
+            <a:avLst/>
+          </a:prstGeom>
+          <a:noFill/>
+          <a:ln w="28575">
+            <a:solidFill>
+              <a:schemeClr val="tx1"/>
+            </a:solidFill>
+          </a:ln>
+        </p:spPr>
+        <p:style>
+          <a:lnRef idx="2">
+            <a:schemeClr val="accent1">
+              <a:shade val="50000"/>
+            </a:schemeClr>
+          </a:lnRef>
+          <a:fillRef idx="1">
+            <a:schemeClr val="accent1"/>
+          </a:fillRef>
+          <a:effectRef idx="0">
+            <a:schemeClr val="accent1"/>
+          </a:effectRef>
+          <a:fontRef idx="minor">
+            <a:schemeClr val="lt1"/>
+          </a:fontRef>
+        </p:style>
+        <p:txBody>
+          <a:bodyPr rtlCol="0" anchor="ctr"/>
+          <a:lstStyle/>
+          <a:p>
+            <a:pPr algn="ctr"/>
+            <a:endParaRPr lang="en-US"/>
+          </a:p>
+        </p:txBody>
+      </p:sp>
+      <p:sp>
+        <p:nvSpPr>
+          <p:cNvPr id="15" name="Rectangle 14">
+            <a:extLst>
+              <a:ext uri="{FF2B5EF4-FFF2-40B4-BE49-F238E27FC236}">
+                <a16:creationId xmlns:a16="http://schemas.microsoft.com/office/drawing/2014/main" id="{D070154C-86C2-C6AD-6618-D75377853C63}"/>
+              </a:ext>
+            </a:extLst>
+          </p:cNvPr>
+          <p:cNvSpPr/>
+          <p:nvPr/>
+        </p:nvSpPr>
+        <p:spPr>
+          <a:xfrm>
+            <a:off x="3421206" y="3701990"/>
+            <a:ext cx="1485900" cy="267338"/>
+          </a:xfrm>
+          <a:prstGeom prst="rect">
+            <a:avLst/>
+          </a:prstGeom>
+          <a:noFill/>
+          <a:ln w="28575">
+            <a:solidFill>
+              <a:schemeClr val="tx1"/>
+            </a:solidFill>
+          </a:ln>
+        </p:spPr>
+        <p:style>
+          <a:lnRef idx="2">
+            <a:schemeClr val="accent1">
+              <a:shade val="50000"/>
+            </a:schemeClr>
+          </a:lnRef>
+          <a:fillRef idx="1">
+            <a:schemeClr val="accent1"/>
+          </a:fillRef>
+          <a:effectRef idx="0">
+            <a:schemeClr val="accent1"/>
+          </a:effectRef>
+          <a:fontRef idx="minor">
+            <a:schemeClr val="lt1"/>
+          </a:fontRef>
+        </p:style>
+        <p:txBody>
+          <a:bodyPr rtlCol="0" anchor="ctr"/>
+          <a:lstStyle/>
+          <a:p>
+            <a:pPr algn="ctr"/>
+            <a:endParaRPr lang="en-US"/>
+          </a:p>
+        </p:txBody>
+      </p:sp>
+      <p:sp>
+        <p:nvSpPr>
+          <p:cNvPr id="3" name="Rectangle 2">
+            <a:extLst>
+              <a:ext uri="{FF2B5EF4-FFF2-40B4-BE49-F238E27FC236}">
+                <a16:creationId xmlns:a16="http://schemas.microsoft.com/office/drawing/2014/main" id="{7CE93B66-CF63-93F3-2984-4D5387F3C15A}"/>
+              </a:ext>
+            </a:extLst>
+          </p:cNvPr>
+          <p:cNvSpPr/>
+          <p:nvPr/>
+        </p:nvSpPr>
+        <p:spPr>
+          <a:xfrm>
+            <a:off x="7032047" y="1777572"/>
+            <a:ext cx="2184689" cy="267338"/>
+          </a:xfrm>
+          <a:prstGeom prst="rect">
+            <a:avLst/>
+          </a:prstGeom>
+          <a:noFill/>
+          <a:ln w="28575">
+            <a:solidFill>
+              <a:schemeClr val="tx1"/>
+            </a:solidFill>
+          </a:ln>
+        </p:spPr>
+        <p:style>
+          <a:lnRef idx="2">
+            <a:schemeClr val="accent1">
+              <a:shade val="50000"/>
+            </a:schemeClr>
+          </a:lnRef>
+          <a:fillRef idx="1">
+            <a:schemeClr val="accent1"/>
+          </a:fillRef>
+          <a:effectRef idx="0">
+            <a:schemeClr val="accent1"/>
+          </a:effectRef>
+          <a:fontRef idx="minor">
+            <a:schemeClr val="lt1"/>
+          </a:fontRef>
+        </p:style>
+        <p:txBody>
+          <a:bodyPr rtlCol="0" anchor="ctr"/>
+          <a:lstStyle/>
+          <a:p>
+            <a:pPr algn="ctr"/>
+            <a:endParaRPr lang="en-US"/>
+          </a:p>
+        </p:txBody>
+      </p:sp>
+      <p:sp>
+        <p:nvSpPr>
+          <p:cNvPr id="10" name="Rectangle 9">
+            <a:extLst>
+              <a:ext uri="{FF2B5EF4-FFF2-40B4-BE49-F238E27FC236}">
+                <a16:creationId xmlns:a16="http://schemas.microsoft.com/office/drawing/2014/main" id="{0F52E34C-AA41-98B2-BBFC-CA9232C75BEC}"/>
+              </a:ext>
+            </a:extLst>
+          </p:cNvPr>
+          <p:cNvSpPr/>
+          <p:nvPr/>
+        </p:nvSpPr>
+        <p:spPr>
+          <a:xfrm>
+            <a:off x="6379153" y="5419084"/>
+            <a:ext cx="2021898" cy="267338"/>
+          </a:xfrm>
+          <a:prstGeom prst="rect">
+            <a:avLst/>
+          </a:prstGeom>
+          <a:noFill/>
+          <a:ln w="28575">
+            <a:solidFill>
+              <a:schemeClr val="tx1"/>
+            </a:solidFill>
+          </a:ln>
+        </p:spPr>
+        <p:style>
+          <a:lnRef idx="2">
+            <a:schemeClr val="accent1">
+              <a:shade val="50000"/>
+            </a:schemeClr>
+          </a:lnRef>
+          <a:fillRef idx="1">
+            <a:schemeClr val="accent1"/>
+          </a:fillRef>
+          <a:effectRef idx="0">
+            <a:schemeClr val="accent1"/>
+          </a:effectRef>
+          <a:fontRef idx="minor">
+            <a:schemeClr val="lt1"/>
+          </a:fontRef>
+        </p:style>
+        <p:txBody>
+          <a:bodyPr rtlCol="0" anchor="ctr"/>
+          <a:lstStyle/>
+          <a:p>
+            <a:pPr algn="ctr"/>
+            <a:endParaRPr lang="en-US"/>
+          </a:p>
+        </p:txBody>
+      </p:sp>
+      <p:sp>
+        <p:nvSpPr>
+          <p:cNvPr id="16" name="Rectangle 15">
+            <a:extLst>
+              <a:ext uri="{FF2B5EF4-FFF2-40B4-BE49-F238E27FC236}">
+                <a16:creationId xmlns:a16="http://schemas.microsoft.com/office/drawing/2014/main" id="{2917016C-2E43-C075-945E-9D589C347035}"/>
+              </a:ext>
+            </a:extLst>
+          </p:cNvPr>
+          <p:cNvSpPr/>
+          <p:nvPr/>
+        </p:nvSpPr>
+        <p:spPr>
+          <a:xfrm>
+            <a:off x="3648077" y="5547558"/>
+            <a:ext cx="1485901" cy="267338"/>
+          </a:xfrm>
+          <a:prstGeom prst="rect">
+            <a:avLst/>
+          </a:prstGeom>
+          <a:noFill/>
+          <a:ln w="28575">
+            <a:solidFill>
+              <a:schemeClr val="tx1"/>
+            </a:solidFill>
+          </a:ln>
+        </p:spPr>
+        <p:style>
+          <a:lnRef idx="2">
+            <a:schemeClr val="accent1">
+              <a:shade val="50000"/>
+            </a:schemeClr>
+          </a:lnRef>
+          <a:fillRef idx="1">
+            <a:schemeClr val="accent1"/>
+          </a:fillRef>
+          <a:effectRef idx="0">
+            <a:schemeClr val="accent1"/>
+          </a:effectRef>
+          <a:fontRef idx="minor">
+            <a:schemeClr val="lt1"/>
+          </a:fontRef>
+        </p:style>
+        <p:txBody>
+          <a:bodyPr rtlCol="0" anchor="ctr"/>
+          <a:lstStyle/>
+          <a:p>
+            <a:pPr algn="ctr"/>
+            <a:endParaRPr lang="en-US"/>
+          </a:p>
+        </p:txBody>
+      </p:sp>
+      <p:sp>
+        <p:nvSpPr>
+          <p:cNvPr id="17" name="TextBox 16">
+            <a:extLst>
+              <a:ext uri="{FF2B5EF4-FFF2-40B4-BE49-F238E27FC236}">
+                <a16:creationId xmlns:a16="http://schemas.microsoft.com/office/drawing/2014/main" id="{FAE63566-5C22-07AC-D649-4ACEB44A4D35}"/>
+              </a:ext>
+            </a:extLst>
+          </p:cNvPr>
+          <p:cNvSpPr txBox="1"/>
+          <p:nvPr/>
+        </p:nvSpPr>
+        <p:spPr>
+          <a:xfrm>
+            <a:off x="1402773" y="114300"/>
+            <a:ext cx="8816686" cy="461665"/>
+          </a:xfrm>
+          <a:prstGeom prst="rect">
+            <a:avLst/>
+          </a:prstGeom>
+          <a:solidFill>
+            <a:schemeClr val="bg1"/>
+          </a:solidFill>
+        </p:spPr>
+        <p:txBody>
+          <a:bodyPr wrap="square" rtlCol="0">
+            <a:spAutoFit/>
+          </a:bodyPr>
+          <a:lstStyle/>
+          <a:p>
+            <a:pPr algn="ctr"/>
+            <a:r>
+              <a:rPr lang="en-US" sz="2400" b="1" u="sng" dirty="0"/>
+              <a:t>21 Rules from Machine Learned Data (20% Support)</a:t>
+            </a:r>
+          </a:p>
+        </p:txBody>
+      </p:sp>
+    </p:spTree>
+    <p:extLst>
+      <p:ext uri="{BB962C8B-B14F-4D97-AF65-F5344CB8AC3E}">
+        <p14:creationId xmlns:p14="http://schemas.microsoft.com/office/powerpoint/2010/main" val="1947048194"/>
+      </p:ext>
+    </p:extLst>
+  </p:cSld>
+  <p:clrMapOvr>
+    <a:masterClrMapping/>
+  </p:clrMapOvr>
+</p:sld>
+</file>
+
+<file path=ppt/slides/slide13.xml><?xml version="1.0" encoding="utf-8"?>
+<p:sld xmlns:a="http://schemas.openxmlformats.org/drawingml/2006/main" xmlns:r="http://schemas.openxmlformats.org/officeDocument/2006/relationships" xmlns:p="http://schemas.openxmlformats.org/presentationml/2006/main">
+  <p:cSld>
+    <p:spTree>
+      <p:nvGrpSpPr>
+        <p:cNvPr id="1" name=""/>
+        <p:cNvGrpSpPr/>
+        <p:nvPr/>
+      </p:nvGrpSpPr>
+      <p:grpSpPr>
+        <a:xfrm>
+          <a:off x="0" y="0"/>
+          <a:ext cx="0" cy="0"/>
+          <a:chOff x="0" y="0"/>
+          <a:chExt cx="0" cy="0"/>
+        </a:xfrm>
+      </p:grpSpPr>
+      <p:pic>
+        <p:nvPicPr>
+          <p:cNvPr id="3" name="Picture 2" descr="Chart, scatter chart&#10;&#10;Description automatically generated">
+            <a:extLst>
+              <a:ext uri="{FF2B5EF4-FFF2-40B4-BE49-F238E27FC236}">
+                <a16:creationId xmlns:a16="http://schemas.microsoft.com/office/drawing/2014/main" id="{8FCA4271-2504-8B95-4761-8279C2592299}"/>
+              </a:ext>
+            </a:extLst>
+          </p:cNvPr>
+          <p:cNvPicPr>
+            <a:picLocks noChangeAspect="1"/>
+          </p:cNvPicPr>
+          <p:nvPr/>
+        </p:nvPicPr>
+        <p:blipFill>
+          <a:blip r:embed="rId2">
+            <a:extLst>
+              <a:ext uri="{28A0092B-C50C-407E-A947-70E740481C1C}">
+                <a14:useLocalDpi xmlns:a14="http://schemas.microsoft.com/office/drawing/2010/main" val="0"/>
+              </a:ext>
+            </a:extLst>
+          </a:blip>
+          <a:stretch>
+            <a:fillRect/>
+          </a:stretch>
+        </p:blipFill>
+        <p:spPr>
+          <a:xfrm>
+            <a:off x="731168" y="114300"/>
+            <a:ext cx="10729664" cy="6629400"/>
+          </a:xfrm>
+          <a:prstGeom prst="rect">
+            <a:avLst/>
+          </a:prstGeom>
+        </p:spPr>
+      </p:pic>
+      <p:sp>
+        <p:nvSpPr>
+          <p:cNvPr id="5" name="TextBox 4">
+            <a:extLst>
+              <a:ext uri="{FF2B5EF4-FFF2-40B4-BE49-F238E27FC236}">
+                <a16:creationId xmlns:a16="http://schemas.microsoft.com/office/drawing/2014/main" id="{8BF6F045-04CB-8A90-9D10-070F3713C552}"/>
+              </a:ext>
+            </a:extLst>
+          </p:cNvPr>
+          <p:cNvSpPr txBox="1"/>
+          <p:nvPr/>
+        </p:nvSpPr>
+        <p:spPr>
+          <a:xfrm>
+            <a:off x="1402773" y="114300"/>
+            <a:ext cx="8816686" cy="461665"/>
+          </a:xfrm>
+          <a:prstGeom prst="rect">
+            <a:avLst/>
+          </a:prstGeom>
+          <a:solidFill>
+            <a:schemeClr val="bg1"/>
+          </a:solidFill>
+        </p:spPr>
+        <p:txBody>
+          <a:bodyPr wrap="square" rtlCol="0">
+            <a:spAutoFit/>
+          </a:bodyPr>
+          <a:lstStyle/>
+          <a:p>
+            <a:pPr algn="ctr"/>
+            <a:r>
+              <a:rPr lang="en-US" sz="2400" b="1" u="sng" dirty="0"/>
               <a:t>21 Rules from Machine Learned Data (20% Support)</a:t>
             </a:r>
           </a:p>
@@ -4134,6 +4937,98 @@
     <p:extLst>
       <p:ext uri="{BB962C8B-B14F-4D97-AF65-F5344CB8AC3E}">
         <p14:creationId xmlns:p14="http://schemas.microsoft.com/office/powerpoint/2010/main" val="969122084"/>
+      </p:ext>
+    </p:extLst>
+  </p:cSld>
+  <p:clrMapOvr>
+    <a:masterClrMapping/>
+  </p:clrMapOvr>
+</p:sld>
+</file>
+
+<file path=ppt/slides/slide14.xml><?xml version="1.0" encoding="utf-8"?>
+<p:sld xmlns:a="http://schemas.openxmlformats.org/drawingml/2006/main" xmlns:r="http://schemas.openxmlformats.org/officeDocument/2006/relationships" xmlns:p="http://schemas.openxmlformats.org/presentationml/2006/main">
+  <p:cSld>
+    <p:spTree>
+      <p:nvGrpSpPr>
+        <p:cNvPr id="1" name=""/>
+        <p:cNvGrpSpPr/>
+        <p:nvPr/>
+      </p:nvGrpSpPr>
+      <p:grpSpPr>
+        <a:xfrm>
+          <a:off x="0" y="0"/>
+          <a:ext cx="0" cy="0"/>
+          <a:chOff x="0" y="0"/>
+          <a:chExt cx="0" cy="0"/>
+        </a:xfrm>
+      </p:grpSpPr>
+      <p:sp>
+        <p:nvSpPr>
+          <p:cNvPr id="2" name="Title 1">
+            <a:extLst>
+              <a:ext uri="{FF2B5EF4-FFF2-40B4-BE49-F238E27FC236}">
+                <a16:creationId xmlns:a16="http://schemas.microsoft.com/office/drawing/2014/main" id="{91F5CCF4-D854-8108-66C3-E010CB9F0070}"/>
+              </a:ext>
+            </a:extLst>
+          </p:cNvPr>
+          <p:cNvSpPr>
+            <a:spLocks noGrp="1"/>
+          </p:cNvSpPr>
+          <p:nvPr>
+            <p:ph type="title"/>
+          </p:nvPr>
+        </p:nvSpPr>
+        <p:spPr/>
+        <p:txBody>
+          <a:bodyPr/>
+          <a:lstStyle/>
+          <a:p>
+            <a:r>
+              <a:rPr lang="en-US" dirty="0"/>
+              <a:t>Conclusion</a:t>
+            </a:r>
+          </a:p>
+        </p:txBody>
+      </p:sp>
+      <p:sp>
+        <p:nvSpPr>
+          <p:cNvPr id="3" name="Content Placeholder 2">
+            <a:extLst>
+              <a:ext uri="{FF2B5EF4-FFF2-40B4-BE49-F238E27FC236}">
+                <a16:creationId xmlns:a16="http://schemas.microsoft.com/office/drawing/2014/main" id="{0ABC5743-8119-47FC-F2B9-BD6D5AC513A8}"/>
+              </a:ext>
+            </a:extLst>
+          </p:cNvPr>
+          <p:cNvSpPr>
+            <a:spLocks noGrp="1"/>
+          </p:cNvSpPr>
+          <p:nvPr>
+            <p:ph idx="1"/>
+          </p:nvPr>
+        </p:nvSpPr>
+        <p:spPr/>
+        <p:txBody>
+          <a:bodyPr/>
+          <a:lstStyle/>
+          <a:p>
+            <a:r>
+              <a:rPr lang="en-US" dirty="0"/>
+              <a:t>The analysis done initially to determine the abundance of specific housing matched the Machine Learning Algorithm and based on the support level of 25% it matched all the selected filtering done for the clustering. </a:t>
+            </a:r>
+          </a:p>
+          <a:p>
+            <a:r>
+              <a:rPr lang="en-US" dirty="0"/>
+              <a:t>This proved that the machine learning can be trusted to make the decision completely from the correlation of the data given the parameters of interest. </a:t>
+            </a:r>
+          </a:p>
+        </p:txBody>
+      </p:sp>
+    </p:spTree>
+    <p:extLst>
+      <p:ext uri="{BB962C8B-B14F-4D97-AF65-F5344CB8AC3E}">
+        <p14:creationId xmlns:p14="http://schemas.microsoft.com/office/powerpoint/2010/main" val="1258741925"/>
       </p:ext>
     </p:extLst>
   </p:cSld>
@@ -4160,98 +5055,352 @@
           <a:chExt cx="0" cy="0"/>
         </a:xfrm>
       </p:grpSpPr>
-      <p:pic>
-        <p:nvPicPr>
-          <p:cNvPr id="3" name="Picture 2" descr="Chart, scatter chart&#10;&#10;Description automatically generated">
-            <a:extLst>
-              <a:ext uri="{FF2B5EF4-FFF2-40B4-BE49-F238E27FC236}">
-                <a16:creationId xmlns:a16="http://schemas.microsoft.com/office/drawing/2014/main" id="{FA8B0DBF-4282-1243-FC5A-6BDC440B90FB}"/>
-              </a:ext>
-            </a:extLst>
-          </p:cNvPr>
-          <p:cNvPicPr>
-            <a:picLocks noChangeAspect="1"/>
-          </p:cNvPicPr>
-          <p:nvPr/>
-        </p:nvPicPr>
-        <p:blipFill>
-          <a:blip r:embed="rId2">
-            <a:extLst>
-              <a:ext uri="{28A0092B-C50C-407E-A947-70E740481C1C}">
-                <a14:useLocalDpi xmlns:a14="http://schemas.microsoft.com/office/drawing/2010/main" val="0"/>
-              </a:ext>
-            </a:extLst>
-          </a:blip>
-          <a:stretch>
-            <a:fillRect/>
-          </a:stretch>
-        </p:blipFill>
-        <p:spPr>
-          <a:xfrm>
-            <a:off x="731168" y="114300"/>
-            <a:ext cx="10729664" cy="6629400"/>
-          </a:xfrm>
-          <a:prstGeom prst="rect">
-            <a:avLst/>
-          </a:prstGeom>
-        </p:spPr>
-      </p:pic>
-      <p:sp>
-        <p:nvSpPr>
-          <p:cNvPr id="4" name="Rectangle 3">
-            <a:extLst>
-              <a:ext uri="{FF2B5EF4-FFF2-40B4-BE49-F238E27FC236}">
-                <a16:creationId xmlns:a16="http://schemas.microsoft.com/office/drawing/2014/main" id="{B37CB3AA-312E-C05F-BDB9-8C73EE7991E9}"/>
-              </a:ext>
-            </a:extLst>
-          </p:cNvPr>
-          <p:cNvSpPr/>
-          <p:nvPr/>
-        </p:nvSpPr>
-        <p:spPr>
-          <a:xfrm>
-            <a:off x="7891892" y="6115052"/>
-            <a:ext cx="1054677" cy="290947"/>
-          </a:xfrm>
-          <a:prstGeom prst="rect">
-            <a:avLst/>
-          </a:prstGeom>
-          <a:noFill/>
-          <a:ln w="28575">
-            <a:solidFill>
-              <a:schemeClr val="tx1"/>
-            </a:solidFill>
-          </a:ln>
-        </p:spPr>
-        <p:style>
-          <a:lnRef idx="2">
-            <a:schemeClr val="accent1">
-              <a:shade val="50000"/>
-            </a:schemeClr>
-          </a:lnRef>
-          <a:fillRef idx="1">
-            <a:schemeClr val="accent1"/>
-          </a:fillRef>
-          <a:effectRef idx="0">
-            <a:schemeClr val="accent1"/>
-          </a:effectRef>
-          <a:fontRef idx="minor">
-            <a:schemeClr val="lt1"/>
-          </a:fontRef>
-        </p:style>
-        <p:txBody>
-          <a:bodyPr rtlCol="0" anchor="ctr"/>
-          <a:lstStyle/>
-          <a:p>
-            <a:pPr algn="ctr"/>
-            <a:endParaRPr lang="en-US"/>
+      <p:sp>
+        <p:nvSpPr>
+          <p:cNvPr id="2" name="Title 1">
+            <a:extLst>
+              <a:ext uri="{FF2B5EF4-FFF2-40B4-BE49-F238E27FC236}">
+                <a16:creationId xmlns:a16="http://schemas.microsoft.com/office/drawing/2014/main" id="{B644695C-8D44-7B12-1BA4-71446648FC65}"/>
+              </a:ext>
+            </a:extLst>
+          </p:cNvPr>
+          <p:cNvSpPr>
+            <a:spLocks noGrp="1"/>
+          </p:cNvSpPr>
+          <p:nvPr>
+            <p:ph type="title"/>
+          </p:nvPr>
+        </p:nvSpPr>
+        <p:spPr/>
+        <p:txBody>
+          <a:bodyPr/>
+          <a:lstStyle/>
+          <a:p>
+            <a:r>
+              <a:rPr lang="en-US" dirty="0"/>
+              <a:t>Parameters</a:t>
+            </a:r>
+          </a:p>
+        </p:txBody>
+      </p:sp>
+      <p:sp>
+        <p:nvSpPr>
+          <p:cNvPr id="3" name="Content Placeholder 2">
+            <a:extLst>
+              <a:ext uri="{FF2B5EF4-FFF2-40B4-BE49-F238E27FC236}">
+                <a16:creationId xmlns:a16="http://schemas.microsoft.com/office/drawing/2014/main" id="{756D8D00-2111-BD3E-805F-62C63D344C16}"/>
+              </a:ext>
+            </a:extLst>
+          </p:cNvPr>
+          <p:cNvSpPr>
+            <a:spLocks noGrp="1"/>
+          </p:cNvSpPr>
+          <p:nvPr>
+            <p:ph idx="1"/>
+          </p:nvPr>
+        </p:nvSpPr>
+        <p:spPr>
+          <a:xfrm>
+            <a:off x="838200" y="1597025"/>
+            <a:ext cx="10515600" cy="4351338"/>
+          </a:xfrm>
+        </p:spPr>
+        <p:txBody>
+          <a:bodyPr>
+            <a:normAutofit/>
+          </a:bodyPr>
+          <a:lstStyle/>
+          <a:p>
+            <a:pPr marL="742950" marR="0" lvl="1" indent="-285750">
+              <a:lnSpc>
+                <a:spcPct val="107000"/>
+              </a:lnSpc>
+              <a:spcBef>
+                <a:spcPts val="0"/>
+              </a:spcBef>
+              <a:spcAft>
+                <a:spcPts val="0"/>
+              </a:spcAft>
+              <a:buFont typeface="Courier New" panose="02070309020205020404" pitchFamily="49" charset="0"/>
+              <a:buChar char="o"/>
+            </a:pPr>
+            <a:r>
+              <a:rPr lang="en-US" dirty="0" err="1">
+                <a:effectLst/>
+                <a:latin typeface="Calibri" panose="020F0502020204030204" pitchFamily="34" charset="0"/>
+                <a:ea typeface="Calibri" panose="020F0502020204030204" pitchFamily="34" charset="0"/>
+                <a:cs typeface="Times New Roman" panose="02020603050405020304" pitchFamily="18" charset="0"/>
+              </a:rPr>
+              <a:t>LotArea</a:t>
+            </a:r>
+            <a:r>
+              <a:rPr lang="en-US" dirty="0">
+                <a:effectLst/>
+                <a:latin typeface="Calibri" panose="020F0502020204030204" pitchFamily="34" charset="0"/>
+                <a:ea typeface="Calibri" panose="020F0502020204030204" pitchFamily="34" charset="0"/>
+                <a:cs typeface="Times New Roman" panose="02020603050405020304" pitchFamily="18" charset="0"/>
+              </a:rPr>
+              <a:t> – Lot Area (</a:t>
+            </a:r>
+            <a:r>
+              <a:rPr lang="en-US" dirty="0" err="1">
+                <a:effectLst/>
+                <a:latin typeface="Calibri" panose="020F0502020204030204" pitchFamily="34" charset="0"/>
+                <a:ea typeface="Calibri" panose="020F0502020204030204" pitchFamily="34" charset="0"/>
+                <a:cs typeface="Times New Roman" panose="02020603050405020304" pitchFamily="18" charset="0"/>
+              </a:rPr>
+              <a:t>Sqr</a:t>
+            </a:r>
+            <a:r>
+              <a:rPr lang="en-US" dirty="0">
+                <a:effectLst/>
+                <a:latin typeface="Calibri" panose="020F0502020204030204" pitchFamily="34" charset="0"/>
+                <a:ea typeface="Calibri" panose="020F0502020204030204" pitchFamily="34" charset="0"/>
+                <a:cs typeface="Times New Roman" panose="02020603050405020304" pitchFamily="18" charset="0"/>
+              </a:rPr>
+              <a:t> Feet)</a:t>
+            </a:r>
+          </a:p>
+          <a:p>
+            <a:pPr marL="742950" marR="0" lvl="1" indent="-285750">
+              <a:lnSpc>
+                <a:spcPct val="107000"/>
+              </a:lnSpc>
+              <a:spcBef>
+                <a:spcPts val="0"/>
+              </a:spcBef>
+              <a:spcAft>
+                <a:spcPts val="0"/>
+              </a:spcAft>
+              <a:buFont typeface="Courier New" panose="02070309020205020404" pitchFamily="49" charset="0"/>
+              <a:buChar char="o"/>
+            </a:pPr>
+            <a:r>
+              <a:rPr lang="en-US" dirty="0" err="1">
+                <a:effectLst/>
+                <a:latin typeface="Calibri" panose="020F0502020204030204" pitchFamily="34" charset="0"/>
+                <a:ea typeface="Calibri" panose="020F0502020204030204" pitchFamily="34" charset="0"/>
+                <a:cs typeface="Times New Roman" panose="02020603050405020304" pitchFamily="18" charset="0"/>
+              </a:rPr>
+              <a:t>FullBath</a:t>
+            </a:r>
+            <a:r>
+              <a:rPr lang="en-US" dirty="0">
+                <a:effectLst/>
+                <a:latin typeface="Calibri" panose="020F0502020204030204" pitchFamily="34" charset="0"/>
+                <a:ea typeface="Calibri" panose="020F0502020204030204" pitchFamily="34" charset="0"/>
+                <a:cs typeface="Times New Roman" panose="02020603050405020304" pitchFamily="18" charset="0"/>
+              </a:rPr>
+              <a:t> – Full Bathrooms </a:t>
+            </a:r>
+          </a:p>
+          <a:p>
+            <a:pPr marL="742950" marR="0" lvl="1" indent="-285750">
+              <a:lnSpc>
+                <a:spcPct val="107000"/>
+              </a:lnSpc>
+              <a:spcBef>
+                <a:spcPts val="0"/>
+              </a:spcBef>
+              <a:spcAft>
+                <a:spcPts val="0"/>
+              </a:spcAft>
+              <a:buFont typeface="Courier New" panose="02070309020205020404" pitchFamily="49" charset="0"/>
+              <a:buChar char="o"/>
+            </a:pPr>
+            <a:r>
+              <a:rPr lang="en-US" dirty="0" err="1">
+                <a:effectLst/>
+                <a:latin typeface="Calibri" panose="020F0502020204030204" pitchFamily="34" charset="0"/>
+                <a:ea typeface="Calibri" panose="020F0502020204030204" pitchFamily="34" charset="0"/>
+                <a:cs typeface="Times New Roman" panose="02020603050405020304" pitchFamily="18" charset="0"/>
+              </a:rPr>
+              <a:t>HalfBath</a:t>
+            </a:r>
+            <a:r>
+              <a:rPr lang="en-US" dirty="0">
+                <a:effectLst/>
+                <a:latin typeface="Calibri" panose="020F0502020204030204" pitchFamily="34" charset="0"/>
+                <a:ea typeface="Calibri" panose="020F0502020204030204" pitchFamily="34" charset="0"/>
+                <a:cs typeface="Times New Roman" panose="02020603050405020304" pitchFamily="18" charset="0"/>
+              </a:rPr>
+              <a:t> – Half Bathrooms </a:t>
+            </a:r>
+          </a:p>
+          <a:p>
+            <a:pPr marL="742950" marR="0" lvl="1" indent="-285750">
+              <a:lnSpc>
+                <a:spcPct val="107000"/>
+              </a:lnSpc>
+              <a:spcBef>
+                <a:spcPts val="0"/>
+              </a:spcBef>
+              <a:spcAft>
+                <a:spcPts val="0"/>
+              </a:spcAft>
+              <a:buFont typeface="Courier New" panose="02070309020205020404" pitchFamily="49" charset="0"/>
+              <a:buChar char="o"/>
+            </a:pPr>
+            <a:r>
+              <a:rPr lang="en-US" dirty="0" err="1">
+                <a:effectLst/>
+                <a:latin typeface="Calibri" panose="020F0502020204030204" pitchFamily="34" charset="0"/>
+                <a:ea typeface="Calibri" panose="020F0502020204030204" pitchFamily="34" charset="0"/>
+                <a:cs typeface="Times New Roman" panose="02020603050405020304" pitchFamily="18" charset="0"/>
+              </a:rPr>
+              <a:t>BsmtFullBath</a:t>
+            </a:r>
+            <a:r>
+              <a:rPr lang="en-US" dirty="0">
+                <a:effectLst/>
+                <a:latin typeface="Calibri" panose="020F0502020204030204" pitchFamily="34" charset="0"/>
+                <a:ea typeface="Calibri" panose="020F0502020204030204" pitchFamily="34" charset="0"/>
+                <a:cs typeface="Times New Roman" panose="02020603050405020304" pitchFamily="18" charset="0"/>
+              </a:rPr>
+              <a:t> – Basement Bathrooms </a:t>
+            </a:r>
+          </a:p>
+          <a:p>
+            <a:pPr marL="742950" marR="0" lvl="1" indent="-285750">
+              <a:lnSpc>
+                <a:spcPct val="107000"/>
+              </a:lnSpc>
+              <a:spcBef>
+                <a:spcPts val="0"/>
+              </a:spcBef>
+              <a:spcAft>
+                <a:spcPts val="0"/>
+              </a:spcAft>
+              <a:buFont typeface="Courier New" panose="02070309020205020404" pitchFamily="49" charset="0"/>
+              <a:buChar char="o"/>
+            </a:pPr>
+            <a:r>
+              <a:rPr lang="en-US" dirty="0" err="1">
+                <a:effectLst/>
+                <a:latin typeface="Calibri" panose="020F0502020204030204" pitchFamily="34" charset="0"/>
+                <a:ea typeface="Calibri" panose="020F0502020204030204" pitchFamily="34" charset="0"/>
+                <a:cs typeface="Times New Roman" panose="02020603050405020304" pitchFamily="18" charset="0"/>
+              </a:rPr>
+              <a:t>HouseStyle</a:t>
+            </a:r>
+            <a:r>
+              <a:rPr lang="en-US" dirty="0">
+                <a:effectLst/>
+                <a:latin typeface="Calibri" panose="020F0502020204030204" pitchFamily="34" charset="0"/>
+                <a:ea typeface="Calibri" panose="020F0502020204030204" pitchFamily="34" charset="0"/>
+                <a:cs typeface="Times New Roman" panose="02020603050405020304" pitchFamily="18" charset="0"/>
+              </a:rPr>
+              <a:t> – House Style </a:t>
+            </a:r>
+          </a:p>
+          <a:p>
+            <a:pPr marL="742950" marR="0" lvl="1" indent="-285750">
+              <a:lnSpc>
+                <a:spcPct val="107000"/>
+              </a:lnSpc>
+              <a:spcBef>
+                <a:spcPts val="0"/>
+              </a:spcBef>
+              <a:spcAft>
+                <a:spcPts val="0"/>
+              </a:spcAft>
+              <a:buFont typeface="Courier New" panose="02070309020205020404" pitchFamily="49" charset="0"/>
+              <a:buChar char="o"/>
+            </a:pPr>
+            <a:r>
+              <a:rPr lang="en-US" dirty="0" err="1">
+                <a:effectLst/>
+                <a:latin typeface="Calibri" panose="020F0502020204030204" pitchFamily="34" charset="0"/>
+                <a:ea typeface="Calibri" panose="020F0502020204030204" pitchFamily="34" charset="0"/>
+                <a:cs typeface="Times New Roman" panose="02020603050405020304" pitchFamily="18" charset="0"/>
+              </a:rPr>
+              <a:t>BedroomAbvGr</a:t>
+            </a:r>
+            <a:r>
+              <a:rPr lang="en-US" dirty="0">
+                <a:effectLst/>
+                <a:latin typeface="Calibri" panose="020F0502020204030204" pitchFamily="34" charset="0"/>
+                <a:ea typeface="Calibri" panose="020F0502020204030204" pitchFamily="34" charset="0"/>
+                <a:cs typeface="Times New Roman" panose="02020603050405020304" pitchFamily="18" charset="0"/>
+              </a:rPr>
+              <a:t> – Bedrooms Above Ground</a:t>
+            </a:r>
+          </a:p>
+          <a:p>
+            <a:pPr marL="742950" marR="0" lvl="1" indent="-285750">
+              <a:lnSpc>
+                <a:spcPct val="107000"/>
+              </a:lnSpc>
+              <a:spcBef>
+                <a:spcPts val="0"/>
+              </a:spcBef>
+              <a:spcAft>
+                <a:spcPts val="0"/>
+              </a:spcAft>
+              <a:buFont typeface="Courier New" panose="02070309020205020404" pitchFamily="49" charset="0"/>
+              <a:buChar char="o"/>
+            </a:pPr>
+            <a:r>
+              <a:rPr lang="en-US" dirty="0" err="1">
+                <a:effectLst/>
+                <a:latin typeface="Calibri" panose="020F0502020204030204" pitchFamily="34" charset="0"/>
+                <a:ea typeface="Calibri" panose="020F0502020204030204" pitchFamily="34" charset="0"/>
+                <a:cs typeface="Times New Roman" panose="02020603050405020304" pitchFamily="18" charset="0"/>
+              </a:rPr>
+              <a:t>MSZoning</a:t>
+            </a:r>
+            <a:r>
+              <a:rPr lang="en-US" dirty="0">
+                <a:effectLst/>
+                <a:latin typeface="Calibri" panose="020F0502020204030204" pitchFamily="34" charset="0"/>
+                <a:ea typeface="Calibri" panose="020F0502020204030204" pitchFamily="34" charset="0"/>
+                <a:cs typeface="Times New Roman" panose="02020603050405020304" pitchFamily="18" charset="0"/>
+              </a:rPr>
+              <a:t> – The type of Zoning the house is in </a:t>
+            </a:r>
+          </a:p>
+          <a:p>
+            <a:pPr marL="742950" marR="0" lvl="1" indent="-285750">
+              <a:lnSpc>
+                <a:spcPct val="107000"/>
+              </a:lnSpc>
+              <a:spcBef>
+                <a:spcPts val="0"/>
+              </a:spcBef>
+              <a:spcAft>
+                <a:spcPts val="800"/>
+              </a:spcAft>
+              <a:buFont typeface="Courier New" panose="02070309020205020404" pitchFamily="49" charset="0"/>
+              <a:buChar char="o"/>
+            </a:pPr>
+            <a:r>
+              <a:rPr lang="en-US" dirty="0" err="1">
+                <a:effectLst/>
+                <a:latin typeface="Calibri" panose="020F0502020204030204" pitchFamily="34" charset="0"/>
+                <a:ea typeface="Calibri" panose="020F0502020204030204" pitchFamily="34" charset="0"/>
+                <a:cs typeface="Times New Roman" panose="02020603050405020304" pitchFamily="18" charset="0"/>
+              </a:rPr>
+              <a:t>SalePrice</a:t>
+            </a:r>
+            <a:r>
+              <a:rPr lang="en-US" dirty="0">
+                <a:effectLst/>
+                <a:latin typeface="Calibri" panose="020F0502020204030204" pitchFamily="34" charset="0"/>
+                <a:ea typeface="Calibri" panose="020F0502020204030204" pitchFamily="34" charset="0"/>
+                <a:cs typeface="Times New Roman" panose="02020603050405020304" pitchFamily="18" charset="0"/>
+              </a:rPr>
+              <a:t> – Sale Price of the Property</a:t>
+            </a:r>
+          </a:p>
+          <a:p>
+            <a:endParaRPr lang="en-US" dirty="0"/>
           </a:p>
         </p:txBody>
       </p:sp>
     </p:spTree>
     <p:extLst>
       <p:ext uri="{BB962C8B-B14F-4D97-AF65-F5344CB8AC3E}">
-        <p14:creationId xmlns:p14="http://schemas.microsoft.com/office/powerpoint/2010/main" val="1639370509"/>
+        <p14:creationId xmlns:p14="http://schemas.microsoft.com/office/powerpoint/2010/main" val="1258810143"/>
       </p:ext>
     </p:extLst>
   </p:cSld>
@@ -4280,10 +5429,10 @@
       </p:grpSpPr>
       <p:pic>
         <p:nvPicPr>
-          <p:cNvPr id="3" name="Picture 2" descr="Chart&#10;&#10;Description automatically generated">
-            <a:extLst>
-              <a:ext uri="{FF2B5EF4-FFF2-40B4-BE49-F238E27FC236}">
-                <a16:creationId xmlns:a16="http://schemas.microsoft.com/office/drawing/2014/main" id="{8D251F43-A0A8-941C-3169-3DA14FC2527E}"/>
+          <p:cNvPr id="3" name="Picture 2" descr="Chart, scatter chart&#10;&#10;Description automatically generated">
+            <a:extLst>
+              <a:ext uri="{FF2B5EF4-FFF2-40B4-BE49-F238E27FC236}">
+                <a16:creationId xmlns:a16="http://schemas.microsoft.com/office/drawing/2014/main" id="{54755FDD-FD91-E19C-57A1-F60C80BA313D}"/>
               </a:ext>
             </a:extLst>
           </p:cNvPr>
@@ -4306,7 +5455,7 @@
         </p:blipFill>
         <p:spPr>
           <a:xfrm>
-            <a:off x="600915" y="114300"/>
+            <a:off x="731168" y="114300"/>
             <a:ext cx="10729664" cy="6629400"/>
           </a:xfrm>
           <a:prstGeom prst="rect">
@@ -4319,7 +5468,7 @@
           <p:cNvPr id="4" name="Rectangle 3">
             <a:extLst>
               <a:ext uri="{FF2B5EF4-FFF2-40B4-BE49-F238E27FC236}">
-                <a16:creationId xmlns:a16="http://schemas.microsoft.com/office/drawing/2014/main" id="{45CA424A-7822-DF94-D20C-9CE1DF6993E6}"/>
+                <a16:creationId xmlns:a16="http://schemas.microsoft.com/office/drawing/2014/main" id="{871CE42B-C7FD-EDEF-5368-A2252A07F55E}"/>
               </a:ext>
             </a:extLst>
           </p:cNvPr>
@@ -4328,8 +5477,8 @@
         </p:nvSpPr>
         <p:spPr>
           <a:xfrm>
-            <a:off x="3896591" y="6130635"/>
-            <a:ext cx="1205346" cy="290947"/>
+            <a:off x="1927508" y="1963876"/>
+            <a:ext cx="2260028" cy="4171952"/>
           </a:xfrm>
           <a:prstGeom prst="rect">
             <a:avLst/>
@@ -4369,7 +5518,7 @@
     </p:spTree>
     <p:extLst>
       <p:ext uri="{BB962C8B-B14F-4D97-AF65-F5344CB8AC3E}">
-        <p14:creationId xmlns:p14="http://schemas.microsoft.com/office/powerpoint/2010/main" val="1955857440"/>
+        <p14:creationId xmlns:p14="http://schemas.microsoft.com/office/powerpoint/2010/main" val="230598498"/>
       </p:ext>
     </p:extLst>
   </p:cSld>
@@ -4398,10 +5547,10 @@
       </p:grpSpPr>
       <p:pic>
         <p:nvPicPr>
-          <p:cNvPr id="9" name="Picture 8" descr="Chart, scatter chart&#10;&#10;Description automatically generated">
-            <a:extLst>
-              <a:ext uri="{FF2B5EF4-FFF2-40B4-BE49-F238E27FC236}">
-                <a16:creationId xmlns:a16="http://schemas.microsoft.com/office/drawing/2014/main" id="{DF19E8D8-D2E7-09DE-98C0-76613C1606FF}"/>
+          <p:cNvPr id="3" name="Picture 2" descr="Chart, scatter chart&#10;&#10;Description automatically generated">
+            <a:extLst>
+              <a:ext uri="{FF2B5EF4-FFF2-40B4-BE49-F238E27FC236}">
+                <a16:creationId xmlns:a16="http://schemas.microsoft.com/office/drawing/2014/main" id="{FA8B0DBF-4282-1243-FC5A-6BDC440B90FB}"/>
               </a:ext>
             </a:extLst>
           </p:cNvPr>
@@ -4434,10 +5583,10 @@
       </p:pic>
       <p:sp>
         <p:nvSpPr>
-          <p:cNvPr id="10" name="Rectangle 9">
-            <a:extLst>
-              <a:ext uri="{FF2B5EF4-FFF2-40B4-BE49-F238E27FC236}">
-                <a16:creationId xmlns:a16="http://schemas.microsoft.com/office/drawing/2014/main" id="{01A58F1D-DF4E-86EA-04D6-3B9B209A04B2}"/>
+          <p:cNvPr id="4" name="Rectangle 3">
+            <a:extLst>
+              <a:ext uri="{FF2B5EF4-FFF2-40B4-BE49-F238E27FC236}">
+                <a16:creationId xmlns:a16="http://schemas.microsoft.com/office/drawing/2014/main" id="{B37CB3AA-312E-C05F-BDB9-8C73EE7991E9}"/>
               </a:ext>
             </a:extLst>
           </p:cNvPr>
@@ -4446,8 +5595,8 @@
         </p:nvSpPr>
         <p:spPr>
           <a:xfrm>
-            <a:off x="1927508" y="1963876"/>
-            <a:ext cx="2260028" cy="4171952"/>
+            <a:off x="7891892" y="6115052"/>
+            <a:ext cx="1054677" cy="290947"/>
           </a:xfrm>
           <a:prstGeom prst="rect">
             <a:avLst/>
@@ -4487,7 +5636,7 @@
     </p:spTree>
     <p:extLst>
       <p:ext uri="{BB962C8B-B14F-4D97-AF65-F5344CB8AC3E}">
-        <p14:creationId xmlns:p14="http://schemas.microsoft.com/office/powerpoint/2010/main" val="3784966180"/>
+        <p14:creationId xmlns:p14="http://schemas.microsoft.com/office/powerpoint/2010/main" val="1639370509"/>
       </p:ext>
     </p:extLst>
   </p:cSld>
@@ -4516,10 +5665,10 @@
       </p:grpSpPr>
       <p:pic>
         <p:nvPicPr>
-          <p:cNvPr id="3" name="Picture 2" descr="Diagram&#10;&#10;Description automatically generated">
-            <a:extLst>
-              <a:ext uri="{FF2B5EF4-FFF2-40B4-BE49-F238E27FC236}">
-                <a16:creationId xmlns:a16="http://schemas.microsoft.com/office/drawing/2014/main" id="{9B0FA04B-E68A-7F29-5C63-69A7572E275F}"/>
+          <p:cNvPr id="3" name="Picture 2" descr="Chart&#10;&#10;Description automatically generated">
+            <a:extLst>
+              <a:ext uri="{FF2B5EF4-FFF2-40B4-BE49-F238E27FC236}">
+                <a16:creationId xmlns:a16="http://schemas.microsoft.com/office/drawing/2014/main" id="{8D251F43-A0A8-941C-3169-3DA14FC2527E}"/>
               </a:ext>
             </a:extLst>
           </p:cNvPr>
@@ -4542,7 +5691,7 @@
         </p:blipFill>
         <p:spPr>
           <a:xfrm>
-            <a:off x="731168" y="114300"/>
+            <a:off x="600915" y="114300"/>
             <a:ext cx="10729664" cy="6629400"/>
           </a:xfrm>
           <a:prstGeom prst="rect">
@@ -4550,10 +5699,62 @@
           </a:prstGeom>
         </p:spPr>
       </p:pic>
+      <p:sp>
+        <p:nvSpPr>
+          <p:cNvPr id="4" name="Rectangle 3">
+            <a:extLst>
+              <a:ext uri="{FF2B5EF4-FFF2-40B4-BE49-F238E27FC236}">
+                <a16:creationId xmlns:a16="http://schemas.microsoft.com/office/drawing/2014/main" id="{45CA424A-7822-DF94-D20C-9CE1DF6993E6}"/>
+              </a:ext>
+            </a:extLst>
+          </p:cNvPr>
+          <p:cNvSpPr/>
+          <p:nvPr/>
+        </p:nvSpPr>
+        <p:spPr>
+          <a:xfrm>
+            <a:off x="3896591" y="6130635"/>
+            <a:ext cx="1205346" cy="290947"/>
+          </a:xfrm>
+          <a:prstGeom prst="rect">
+            <a:avLst/>
+          </a:prstGeom>
+          <a:noFill/>
+          <a:ln w="28575">
+            <a:solidFill>
+              <a:schemeClr val="tx1"/>
+            </a:solidFill>
+          </a:ln>
+        </p:spPr>
+        <p:style>
+          <a:lnRef idx="2">
+            <a:schemeClr val="accent1">
+              <a:shade val="50000"/>
+            </a:schemeClr>
+          </a:lnRef>
+          <a:fillRef idx="1">
+            <a:schemeClr val="accent1"/>
+          </a:fillRef>
+          <a:effectRef idx="0">
+            <a:schemeClr val="accent1"/>
+          </a:effectRef>
+          <a:fontRef idx="minor">
+            <a:schemeClr val="lt1"/>
+          </a:fontRef>
+        </p:style>
+        <p:txBody>
+          <a:bodyPr rtlCol="0" anchor="ctr"/>
+          <a:lstStyle/>
+          <a:p>
+            <a:pPr algn="ctr"/>
+            <a:endParaRPr lang="en-US"/>
+          </a:p>
+        </p:txBody>
+      </p:sp>
     </p:spTree>
     <p:extLst>
       <p:ext uri="{BB962C8B-B14F-4D97-AF65-F5344CB8AC3E}">
-        <p14:creationId xmlns:p14="http://schemas.microsoft.com/office/powerpoint/2010/main" val="478608675"/>
+        <p14:creationId xmlns:p14="http://schemas.microsoft.com/office/powerpoint/2010/main" val="1955857440"/>
       </p:ext>
     </p:extLst>
   </p:cSld>
@@ -4585,7 +5786,7 @@
           <p:cNvPr id="3" name="Picture 2" descr="Chart, scatter chart&#10;&#10;Description automatically generated">
             <a:extLst>
               <a:ext uri="{FF2B5EF4-FFF2-40B4-BE49-F238E27FC236}">
-                <a16:creationId xmlns:a16="http://schemas.microsoft.com/office/drawing/2014/main" id="{A3979380-43B8-7D8A-997D-9A49754B29AA}"/>
+                <a16:creationId xmlns:a16="http://schemas.microsoft.com/office/drawing/2014/main" id="{0D3031F9-FDF5-EA0F-6743-64F91A41695D}"/>
               </a:ext>
             </a:extLst>
           </p:cNvPr>
@@ -4618,46 +5819,10 @@
       </p:pic>
       <p:sp>
         <p:nvSpPr>
-          <p:cNvPr id="4" name="TextBox 3">
-            <a:extLst>
-              <a:ext uri="{FF2B5EF4-FFF2-40B4-BE49-F238E27FC236}">
-                <a16:creationId xmlns:a16="http://schemas.microsoft.com/office/drawing/2014/main" id="{44DFEFA8-270F-E499-4776-D6F6E83DC46E}"/>
-              </a:ext>
-            </a:extLst>
-          </p:cNvPr>
-          <p:cNvSpPr txBox="1"/>
-          <p:nvPr/>
-        </p:nvSpPr>
-        <p:spPr>
-          <a:xfrm rot="5400000">
-            <a:off x="11073699" y="3228945"/>
-            <a:ext cx="1112036" cy="400110"/>
-          </a:xfrm>
-          <a:prstGeom prst="rect">
-            <a:avLst/>
-          </a:prstGeom>
-          <a:noFill/>
-        </p:spPr>
-        <p:txBody>
-          <a:bodyPr wrap="none" rtlCol="0">
-            <a:spAutoFit/>
-          </a:bodyPr>
-          <a:lstStyle/>
-          <a:p>
-            <a:r>
-              <a:rPr lang="en-US" sz="2000" dirty="0" err="1"/>
-              <a:t>HalfBath</a:t>
-            </a:r>
-            <a:endParaRPr lang="en-US" dirty="0"/>
-          </a:p>
-        </p:txBody>
-      </p:sp>
-      <p:sp>
-        <p:nvSpPr>
-          <p:cNvPr id="5" name="Rectangle 4">
-            <a:extLst>
-              <a:ext uri="{FF2B5EF4-FFF2-40B4-BE49-F238E27FC236}">
-                <a16:creationId xmlns:a16="http://schemas.microsoft.com/office/drawing/2014/main" id="{56DDCEA2-D5E3-13DA-86CD-07C55A37ECD7}"/>
+          <p:cNvPr id="10" name="Rectangle 9">
+            <a:extLst>
+              <a:ext uri="{FF2B5EF4-FFF2-40B4-BE49-F238E27FC236}">
+                <a16:creationId xmlns:a16="http://schemas.microsoft.com/office/drawing/2014/main" id="{01A58F1D-DF4E-86EA-04D6-3B9B209A04B2}"/>
               </a:ext>
             </a:extLst>
           </p:cNvPr>
@@ -4666,8 +5831,8 @@
         </p:nvSpPr>
         <p:spPr>
           <a:xfrm>
-            <a:off x="4930483" y="535132"/>
-            <a:ext cx="1201882" cy="5527963"/>
+            <a:off x="2206908" y="1917700"/>
+            <a:ext cx="2219042" cy="3995878"/>
           </a:xfrm>
           <a:prstGeom prst="rect">
             <a:avLst/>
@@ -4704,530 +5869,10 @@
           </a:p>
         </p:txBody>
       </p:sp>
-      <p:sp>
-        <p:nvSpPr>
-          <p:cNvPr id="6" name="Rectangle 5">
-            <a:extLst>
-              <a:ext uri="{FF2B5EF4-FFF2-40B4-BE49-F238E27FC236}">
-                <a16:creationId xmlns:a16="http://schemas.microsoft.com/office/drawing/2014/main" id="{5A677918-2248-5902-2404-0D6E0F0564F4}"/>
-              </a:ext>
-            </a:extLst>
-          </p:cNvPr>
-          <p:cNvSpPr/>
-          <p:nvPr/>
-        </p:nvSpPr>
-        <p:spPr>
-          <a:xfrm>
-            <a:off x="1310983" y="914403"/>
-            <a:ext cx="10113484" cy="1719695"/>
-          </a:xfrm>
-          <a:prstGeom prst="rect">
-            <a:avLst/>
-          </a:prstGeom>
-          <a:noFill/>
-          <a:ln w="28575">
-            <a:solidFill>
-              <a:schemeClr val="tx1"/>
-            </a:solidFill>
-          </a:ln>
-        </p:spPr>
-        <p:style>
-          <a:lnRef idx="2">
-            <a:schemeClr val="accent1">
-              <a:shade val="50000"/>
-            </a:schemeClr>
-          </a:lnRef>
-          <a:fillRef idx="1">
-            <a:schemeClr val="accent1"/>
-          </a:fillRef>
-          <a:effectRef idx="0">
-            <a:schemeClr val="accent1"/>
-          </a:effectRef>
-          <a:fontRef idx="minor">
-            <a:schemeClr val="lt1"/>
-          </a:fontRef>
-        </p:style>
-        <p:txBody>
-          <a:bodyPr rtlCol="0" anchor="ctr"/>
-          <a:lstStyle/>
-          <a:p>
-            <a:pPr algn="ctr"/>
-            <a:endParaRPr lang="en-US"/>
-          </a:p>
-        </p:txBody>
-      </p:sp>
-      <p:sp>
-        <p:nvSpPr>
-          <p:cNvPr id="7" name="Rectangle 6">
-            <a:extLst>
-              <a:ext uri="{FF2B5EF4-FFF2-40B4-BE49-F238E27FC236}">
-                <a16:creationId xmlns:a16="http://schemas.microsoft.com/office/drawing/2014/main" id="{5F6B804B-6828-9CAC-396C-741F571741EA}"/>
-              </a:ext>
-            </a:extLst>
-          </p:cNvPr>
-          <p:cNvSpPr/>
-          <p:nvPr/>
-        </p:nvSpPr>
-        <p:spPr>
-          <a:xfrm>
-            <a:off x="1059874" y="1774250"/>
-            <a:ext cx="9871362" cy="498758"/>
-          </a:xfrm>
-          <a:prstGeom prst="rect">
-            <a:avLst/>
-          </a:prstGeom>
-          <a:noFill/>
-          <a:ln w="28575">
-            <a:solidFill>
-              <a:schemeClr val="tx1"/>
-            </a:solidFill>
-          </a:ln>
-        </p:spPr>
-        <p:style>
-          <a:lnRef idx="2">
-            <a:schemeClr val="accent1">
-              <a:shade val="50000"/>
-            </a:schemeClr>
-          </a:lnRef>
-          <a:fillRef idx="1">
-            <a:schemeClr val="accent1"/>
-          </a:fillRef>
-          <a:effectRef idx="0">
-            <a:schemeClr val="accent1"/>
-          </a:effectRef>
-          <a:fontRef idx="minor">
-            <a:schemeClr val="lt1"/>
-          </a:fontRef>
-        </p:style>
-        <p:txBody>
-          <a:bodyPr rtlCol="0" anchor="ctr"/>
-          <a:lstStyle/>
-          <a:p>
-            <a:pPr algn="ctr"/>
-            <a:endParaRPr lang="en-US"/>
-          </a:p>
-        </p:txBody>
-      </p:sp>
-      <p:sp>
-        <p:nvSpPr>
-          <p:cNvPr id="8" name="Rectangle 7">
-            <a:extLst>
-              <a:ext uri="{FF2B5EF4-FFF2-40B4-BE49-F238E27FC236}">
-                <a16:creationId xmlns:a16="http://schemas.microsoft.com/office/drawing/2014/main" id="{E5D18750-5794-344D-2920-6C4BF472A5CC}"/>
-              </a:ext>
-            </a:extLst>
-          </p:cNvPr>
-          <p:cNvSpPr/>
-          <p:nvPr/>
-        </p:nvSpPr>
-        <p:spPr>
-          <a:xfrm>
-            <a:off x="4966848" y="955963"/>
-            <a:ext cx="135088" cy="5527962"/>
-          </a:xfrm>
-          <a:prstGeom prst="rect">
-            <a:avLst/>
-          </a:prstGeom>
-          <a:noFill/>
-          <a:ln w="28575">
-            <a:solidFill>
-              <a:schemeClr val="tx1"/>
-            </a:solidFill>
-          </a:ln>
-        </p:spPr>
-        <p:style>
-          <a:lnRef idx="2">
-            <a:schemeClr val="accent1">
-              <a:shade val="50000"/>
-            </a:schemeClr>
-          </a:lnRef>
-          <a:fillRef idx="1">
-            <a:schemeClr val="accent1"/>
-          </a:fillRef>
-          <a:effectRef idx="0">
-            <a:schemeClr val="accent1"/>
-          </a:effectRef>
-          <a:fontRef idx="minor">
-            <a:schemeClr val="lt1"/>
-          </a:fontRef>
-        </p:style>
-        <p:txBody>
-          <a:bodyPr rtlCol="0" anchor="ctr"/>
-          <a:lstStyle/>
-          <a:p>
-            <a:pPr algn="ctr"/>
-            <a:endParaRPr lang="en-US"/>
-          </a:p>
-        </p:txBody>
-      </p:sp>
-      <p:sp>
-        <p:nvSpPr>
-          <p:cNvPr id="9" name="Rectangle 8">
-            <a:extLst>
-              <a:ext uri="{FF2B5EF4-FFF2-40B4-BE49-F238E27FC236}">
-                <a16:creationId xmlns:a16="http://schemas.microsoft.com/office/drawing/2014/main" id="{94DB5756-8A2D-5B00-9332-6550072A4DA8}"/>
-              </a:ext>
-            </a:extLst>
-          </p:cNvPr>
-          <p:cNvSpPr/>
-          <p:nvPr/>
-        </p:nvSpPr>
-        <p:spPr>
-          <a:xfrm>
-            <a:off x="1059875" y="3517327"/>
-            <a:ext cx="9871361" cy="498758"/>
-          </a:xfrm>
-          <a:prstGeom prst="rect">
-            <a:avLst/>
-          </a:prstGeom>
-          <a:noFill/>
-          <a:ln w="28575">
-            <a:solidFill>
-              <a:schemeClr val="tx1"/>
-            </a:solidFill>
-          </a:ln>
-        </p:spPr>
-        <p:style>
-          <a:lnRef idx="2">
-            <a:schemeClr val="accent1">
-              <a:shade val="50000"/>
-            </a:schemeClr>
-          </a:lnRef>
-          <a:fillRef idx="1">
-            <a:schemeClr val="accent1"/>
-          </a:fillRef>
-          <a:effectRef idx="0">
-            <a:schemeClr val="accent1"/>
-          </a:effectRef>
-          <a:fontRef idx="minor">
-            <a:schemeClr val="lt1"/>
-          </a:fontRef>
-        </p:style>
-        <p:txBody>
-          <a:bodyPr rtlCol="0" anchor="ctr"/>
-          <a:lstStyle/>
-          <a:p>
-            <a:pPr algn="ctr"/>
-            <a:endParaRPr lang="en-US"/>
-          </a:p>
-        </p:txBody>
-      </p:sp>
-      <p:sp>
-        <p:nvSpPr>
-          <p:cNvPr id="10" name="Rectangle 9">
-            <a:extLst>
-              <a:ext uri="{FF2B5EF4-FFF2-40B4-BE49-F238E27FC236}">
-                <a16:creationId xmlns:a16="http://schemas.microsoft.com/office/drawing/2014/main" id="{5EBAA0D7-E516-3F1D-35EC-61B88B837A0B}"/>
-              </a:ext>
-            </a:extLst>
-          </p:cNvPr>
-          <p:cNvSpPr/>
-          <p:nvPr/>
-        </p:nvSpPr>
-        <p:spPr>
-          <a:xfrm>
-            <a:off x="1059873" y="5255213"/>
-            <a:ext cx="9871363" cy="498758"/>
-          </a:xfrm>
-          <a:prstGeom prst="rect">
-            <a:avLst/>
-          </a:prstGeom>
-          <a:noFill/>
-          <a:ln w="28575">
-            <a:solidFill>
-              <a:schemeClr val="tx1"/>
-            </a:solidFill>
-          </a:ln>
-        </p:spPr>
-        <p:style>
-          <a:lnRef idx="2">
-            <a:schemeClr val="accent1">
-              <a:shade val="50000"/>
-            </a:schemeClr>
-          </a:lnRef>
-          <a:fillRef idx="1">
-            <a:schemeClr val="accent1"/>
-          </a:fillRef>
-          <a:effectRef idx="0">
-            <a:schemeClr val="accent1"/>
-          </a:effectRef>
-          <a:fontRef idx="minor">
-            <a:schemeClr val="lt1"/>
-          </a:fontRef>
-        </p:style>
-        <p:txBody>
-          <a:bodyPr rtlCol="0" anchor="ctr"/>
-          <a:lstStyle/>
-          <a:p>
-            <a:pPr algn="ctr"/>
-            <a:endParaRPr lang="en-US"/>
-          </a:p>
-        </p:txBody>
-      </p:sp>
-      <p:sp>
-        <p:nvSpPr>
-          <p:cNvPr id="11" name="Rectangle 10">
-            <a:extLst>
-              <a:ext uri="{FF2B5EF4-FFF2-40B4-BE49-F238E27FC236}">
-                <a16:creationId xmlns:a16="http://schemas.microsoft.com/office/drawing/2014/main" id="{FF032CBB-F176-B6C1-F2D4-66A01F64FF2F}"/>
-              </a:ext>
-            </a:extLst>
-          </p:cNvPr>
-          <p:cNvSpPr/>
-          <p:nvPr/>
-        </p:nvSpPr>
-        <p:spPr>
-          <a:xfrm>
-            <a:off x="7413908" y="955963"/>
-            <a:ext cx="135088" cy="5527962"/>
-          </a:xfrm>
-          <a:prstGeom prst="rect">
-            <a:avLst/>
-          </a:prstGeom>
-          <a:noFill/>
-          <a:ln w="28575">
-            <a:solidFill>
-              <a:schemeClr val="tx1"/>
-            </a:solidFill>
-          </a:ln>
-        </p:spPr>
-        <p:style>
-          <a:lnRef idx="2">
-            <a:schemeClr val="accent1">
-              <a:shade val="50000"/>
-            </a:schemeClr>
-          </a:lnRef>
-          <a:fillRef idx="1">
-            <a:schemeClr val="accent1"/>
-          </a:fillRef>
-          <a:effectRef idx="0">
-            <a:schemeClr val="accent1"/>
-          </a:effectRef>
-          <a:fontRef idx="minor">
-            <a:schemeClr val="lt1"/>
-          </a:fontRef>
-        </p:style>
-        <p:txBody>
-          <a:bodyPr rtlCol="0" anchor="ctr"/>
-          <a:lstStyle/>
-          <a:p>
-            <a:pPr algn="ctr"/>
-            <a:endParaRPr lang="en-US"/>
-          </a:p>
-        </p:txBody>
-      </p:sp>
-      <p:sp>
-        <p:nvSpPr>
-          <p:cNvPr id="17" name="Rectangle 16">
-            <a:extLst>
-              <a:ext uri="{FF2B5EF4-FFF2-40B4-BE49-F238E27FC236}">
-                <a16:creationId xmlns:a16="http://schemas.microsoft.com/office/drawing/2014/main" id="{5355BB13-6BC7-19CE-6A90-6505552D623F}"/>
-              </a:ext>
-            </a:extLst>
-          </p:cNvPr>
-          <p:cNvSpPr/>
-          <p:nvPr/>
-        </p:nvSpPr>
-        <p:spPr>
-          <a:xfrm>
-            <a:off x="3744186" y="955963"/>
-            <a:ext cx="135088" cy="5527962"/>
-          </a:xfrm>
-          <a:prstGeom prst="rect">
-            <a:avLst/>
-          </a:prstGeom>
-          <a:noFill/>
-          <a:ln w="28575">
-            <a:solidFill>
-              <a:schemeClr val="tx1"/>
-            </a:solidFill>
-          </a:ln>
-        </p:spPr>
-        <p:style>
-          <a:lnRef idx="2">
-            <a:schemeClr val="accent1">
-              <a:shade val="50000"/>
-            </a:schemeClr>
-          </a:lnRef>
-          <a:fillRef idx="1">
-            <a:schemeClr val="accent1"/>
-          </a:fillRef>
-          <a:effectRef idx="0">
-            <a:schemeClr val="accent1"/>
-          </a:effectRef>
-          <a:fontRef idx="minor">
-            <a:schemeClr val="lt1"/>
-          </a:fontRef>
-        </p:style>
-        <p:txBody>
-          <a:bodyPr rtlCol="0" anchor="ctr"/>
-          <a:lstStyle/>
-          <a:p>
-            <a:pPr algn="ctr"/>
-            <a:endParaRPr lang="en-US"/>
-          </a:p>
-        </p:txBody>
-      </p:sp>
-      <p:sp>
-        <p:nvSpPr>
-          <p:cNvPr id="18" name="Rectangle 17">
-            <a:extLst>
-              <a:ext uri="{FF2B5EF4-FFF2-40B4-BE49-F238E27FC236}">
-                <a16:creationId xmlns:a16="http://schemas.microsoft.com/office/drawing/2014/main" id="{67424740-C1C1-12FF-B904-722A0FC4215B}"/>
-              </a:ext>
-            </a:extLst>
-          </p:cNvPr>
-          <p:cNvSpPr/>
-          <p:nvPr/>
-        </p:nvSpPr>
-        <p:spPr>
-          <a:xfrm>
-            <a:off x="2518050" y="955963"/>
-            <a:ext cx="135088" cy="5527962"/>
-          </a:xfrm>
-          <a:prstGeom prst="rect">
-            <a:avLst/>
-          </a:prstGeom>
-          <a:noFill/>
-          <a:ln w="28575">
-            <a:solidFill>
-              <a:schemeClr val="tx1"/>
-            </a:solidFill>
-          </a:ln>
-        </p:spPr>
-        <p:style>
-          <a:lnRef idx="2">
-            <a:schemeClr val="accent1">
-              <a:shade val="50000"/>
-            </a:schemeClr>
-          </a:lnRef>
-          <a:fillRef idx="1">
-            <a:schemeClr val="accent1"/>
-          </a:fillRef>
-          <a:effectRef idx="0">
-            <a:schemeClr val="accent1"/>
-          </a:effectRef>
-          <a:fontRef idx="minor">
-            <a:schemeClr val="lt1"/>
-          </a:fontRef>
-        </p:style>
-        <p:txBody>
-          <a:bodyPr rtlCol="0" anchor="ctr"/>
-          <a:lstStyle/>
-          <a:p>
-            <a:pPr algn="ctr"/>
-            <a:endParaRPr lang="en-US"/>
-          </a:p>
-        </p:txBody>
-      </p:sp>
-      <p:sp>
-        <p:nvSpPr>
-          <p:cNvPr id="21" name="Rectangle 20">
-            <a:extLst>
-              <a:ext uri="{FF2B5EF4-FFF2-40B4-BE49-F238E27FC236}">
-                <a16:creationId xmlns:a16="http://schemas.microsoft.com/office/drawing/2014/main" id="{5BA2BFAE-DCA0-0291-512A-B9AC6AE78020}"/>
-              </a:ext>
-            </a:extLst>
-          </p:cNvPr>
-          <p:cNvSpPr/>
-          <p:nvPr/>
-        </p:nvSpPr>
-        <p:spPr>
-          <a:xfrm>
-            <a:off x="6194704" y="955963"/>
-            <a:ext cx="135088" cy="5527962"/>
-          </a:xfrm>
-          <a:prstGeom prst="rect">
-            <a:avLst/>
-          </a:prstGeom>
-          <a:noFill/>
-          <a:ln w="28575">
-            <a:solidFill>
-              <a:schemeClr val="tx1"/>
-            </a:solidFill>
-          </a:ln>
-        </p:spPr>
-        <p:style>
-          <a:lnRef idx="2">
-            <a:schemeClr val="accent1">
-              <a:shade val="50000"/>
-            </a:schemeClr>
-          </a:lnRef>
-          <a:fillRef idx="1">
-            <a:schemeClr val="accent1"/>
-          </a:fillRef>
-          <a:effectRef idx="0">
-            <a:schemeClr val="accent1"/>
-          </a:effectRef>
-          <a:fontRef idx="minor">
-            <a:schemeClr val="lt1"/>
-          </a:fontRef>
-        </p:style>
-        <p:txBody>
-          <a:bodyPr rtlCol="0" anchor="ctr"/>
-          <a:lstStyle/>
-          <a:p>
-            <a:pPr algn="ctr"/>
-            <a:endParaRPr lang="en-US"/>
-          </a:p>
-        </p:txBody>
-      </p:sp>
-      <p:sp>
-        <p:nvSpPr>
-          <p:cNvPr id="24" name="Rectangle 23">
-            <a:extLst>
-              <a:ext uri="{FF2B5EF4-FFF2-40B4-BE49-F238E27FC236}">
-                <a16:creationId xmlns:a16="http://schemas.microsoft.com/office/drawing/2014/main" id="{6412A6E0-14E7-7EF1-8B21-20BCB121D449}"/>
-              </a:ext>
-            </a:extLst>
-          </p:cNvPr>
-          <p:cNvSpPr/>
-          <p:nvPr/>
-        </p:nvSpPr>
-        <p:spPr>
-          <a:xfrm>
-            <a:off x="8638308" y="955963"/>
-            <a:ext cx="135088" cy="5527962"/>
-          </a:xfrm>
-          <a:prstGeom prst="rect">
-            <a:avLst/>
-          </a:prstGeom>
-          <a:noFill/>
-          <a:ln w="28575">
-            <a:solidFill>
-              <a:schemeClr val="tx1"/>
-            </a:solidFill>
-          </a:ln>
-        </p:spPr>
-        <p:style>
-          <a:lnRef idx="2">
-            <a:schemeClr val="accent1">
-              <a:shade val="50000"/>
-            </a:schemeClr>
-          </a:lnRef>
-          <a:fillRef idx="1">
-            <a:schemeClr val="accent1"/>
-          </a:fillRef>
-          <a:effectRef idx="0">
-            <a:schemeClr val="accent1"/>
-          </a:effectRef>
-          <a:fontRef idx="minor">
-            <a:schemeClr val="lt1"/>
-          </a:fontRef>
-        </p:style>
-        <p:txBody>
-          <a:bodyPr rtlCol="0" anchor="ctr"/>
-          <a:lstStyle/>
-          <a:p>
-            <a:pPr algn="ctr"/>
-            <a:endParaRPr lang="en-US"/>
-          </a:p>
-        </p:txBody>
-      </p:sp>
     </p:spTree>
     <p:extLst>
       <p:ext uri="{BB962C8B-B14F-4D97-AF65-F5344CB8AC3E}">
-        <p14:creationId xmlns:p14="http://schemas.microsoft.com/office/powerpoint/2010/main" val="419548427"/>
+        <p14:creationId xmlns:p14="http://schemas.microsoft.com/office/powerpoint/2010/main" val="3784966180"/>
       </p:ext>
     </p:extLst>
   </p:cSld>
@@ -5256,10 +5901,10 @@
       </p:grpSpPr>
       <p:pic>
         <p:nvPicPr>
-          <p:cNvPr id="5" name="Picture 4" descr="Diagram&#10;&#10;Description automatically generated">
-            <a:extLst>
-              <a:ext uri="{FF2B5EF4-FFF2-40B4-BE49-F238E27FC236}">
-                <a16:creationId xmlns:a16="http://schemas.microsoft.com/office/drawing/2014/main" id="{B9C50CB9-CFEF-E481-3512-5B7F593BD366}"/>
+          <p:cNvPr id="3" name="Picture 2" descr="Diagram&#10;&#10;Description automatically generated">
+            <a:extLst>
+              <a:ext uri="{FF2B5EF4-FFF2-40B4-BE49-F238E27FC236}">
+                <a16:creationId xmlns:a16="http://schemas.microsoft.com/office/drawing/2014/main" id="{9B0FA04B-E68A-7F29-5C63-69A7572E275F}"/>
               </a:ext>
             </a:extLst>
           </p:cNvPr>
@@ -5293,7 +5938,7 @@
     </p:spTree>
     <p:extLst>
       <p:ext uri="{BB962C8B-B14F-4D97-AF65-F5344CB8AC3E}">
-        <p14:creationId xmlns:p14="http://schemas.microsoft.com/office/powerpoint/2010/main" val="4143271958"/>
+        <p14:creationId xmlns:p14="http://schemas.microsoft.com/office/powerpoint/2010/main" val="478608675"/>
       </p:ext>
     </p:extLst>
   </p:cSld>
@@ -5322,10 +5967,10 @@
       </p:grpSpPr>
       <p:pic>
         <p:nvPicPr>
-          <p:cNvPr id="17" name="Picture 16" descr="Chart, radar chart&#10;&#10;Description automatically generated">
-            <a:extLst>
-              <a:ext uri="{FF2B5EF4-FFF2-40B4-BE49-F238E27FC236}">
-                <a16:creationId xmlns:a16="http://schemas.microsoft.com/office/drawing/2014/main" id="{531AA170-DC8C-58D7-09E1-39614F274977}"/>
+          <p:cNvPr id="3" name="Picture 2" descr="Chart, scatter chart&#10;&#10;Description automatically generated">
+            <a:extLst>
+              <a:ext uri="{FF2B5EF4-FFF2-40B4-BE49-F238E27FC236}">
+                <a16:creationId xmlns:a16="http://schemas.microsoft.com/office/drawing/2014/main" id="{A3979380-43B8-7D8A-997D-9A49754B29AA}"/>
               </a:ext>
             </a:extLst>
           </p:cNvPr>
@@ -5348,8 +5993,8 @@
         </p:blipFill>
         <p:spPr>
           <a:xfrm>
-            <a:off x="574886" y="114300"/>
-            <a:ext cx="10742085" cy="6629400"/>
+            <a:off x="731168" y="114300"/>
+            <a:ext cx="10729664" cy="6629400"/>
           </a:xfrm>
           <a:prstGeom prst="rect">
             <a:avLst/>
@@ -5358,10 +6003,10 @@
       </p:pic>
       <p:sp>
         <p:nvSpPr>
-          <p:cNvPr id="7" name="TextBox 6">
-            <a:extLst>
-              <a:ext uri="{FF2B5EF4-FFF2-40B4-BE49-F238E27FC236}">
-                <a16:creationId xmlns:a16="http://schemas.microsoft.com/office/drawing/2014/main" id="{C7ED2423-9DE9-B041-17B9-9B4D3FEB48ED}"/>
+          <p:cNvPr id="4" name="TextBox 3">
+            <a:extLst>
+              <a:ext uri="{FF2B5EF4-FFF2-40B4-BE49-F238E27FC236}">
+                <a16:creationId xmlns:a16="http://schemas.microsoft.com/office/drawing/2014/main" id="{44DFEFA8-270F-E499-4776-D6F6E83DC46E}"/>
               </a:ext>
             </a:extLst>
           </p:cNvPr>
@@ -5369,9 +6014,9 @@
           <p:nvPr/>
         </p:nvSpPr>
         <p:spPr>
-          <a:xfrm>
-            <a:off x="3400425" y="6133280"/>
-            <a:ext cx="6385215" cy="646331"/>
+          <a:xfrm rot="5400000">
+            <a:off x="11073699" y="3228945"/>
+            <a:ext cx="1112036" cy="400110"/>
           </a:xfrm>
           <a:prstGeom prst="rect">
             <a:avLst/>
@@ -5379,24 +6024,25 @@
           <a:noFill/>
         </p:spPr>
         <p:txBody>
-          <a:bodyPr wrap="square" rtlCol="0">
+          <a:bodyPr wrap="none" rtlCol="0">
             <a:spAutoFit/>
           </a:bodyPr>
           <a:lstStyle/>
           <a:p>
             <a:r>
-              <a:rPr lang="en-US" dirty="0"/>
-              <a:t>It is determined that all previous information gathered is proven by the rules that the machine learning algorithm created for us. </a:t>
-            </a:r>
-          </a:p>
-        </p:txBody>
-      </p:sp>
-      <p:sp>
-        <p:nvSpPr>
-          <p:cNvPr id="8" name="Rectangle 7">
-            <a:extLst>
-              <a:ext uri="{FF2B5EF4-FFF2-40B4-BE49-F238E27FC236}">
-                <a16:creationId xmlns:a16="http://schemas.microsoft.com/office/drawing/2014/main" id="{7A603E1F-14BC-1D79-0A6F-8BCAD73AFEED}"/>
+              <a:rPr lang="en-US" sz="2000" dirty="0" err="1"/>
+              <a:t>HalfBath</a:t>
+            </a:r>
+            <a:endParaRPr lang="en-US" dirty="0"/>
+          </a:p>
+        </p:txBody>
+      </p:sp>
+      <p:sp>
+        <p:nvSpPr>
+          <p:cNvPr id="5" name="Rectangle 4">
+            <a:extLst>
+              <a:ext uri="{FF2B5EF4-FFF2-40B4-BE49-F238E27FC236}">
+                <a16:creationId xmlns:a16="http://schemas.microsoft.com/office/drawing/2014/main" id="{56DDCEA2-D5E3-13DA-86CD-07C55A37ECD7}"/>
               </a:ext>
             </a:extLst>
           </p:cNvPr>
@@ -5405,8 +6051,8 @@
         </p:nvSpPr>
         <p:spPr>
           <a:xfrm>
-            <a:off x="1491095" y="1037175"/>
-            <a:ext cx="2213263" cy="288578"/>
+            <a:off x="4930483" y="535132"/>
+            <a:ext cx="1201882" cy="5527963"/>
           </a:xfrm>
           <a:prstGeom prst="rect">
             <a:avLst/>
@@ -5445,10 +6091,10 @@
       </p:sp>
       <p:sp>
         <p:nvSpPr>
-          <p:cNvPr id="11" name="Rectangle 10">
-            <a:extLst>
-              <a:ext uri="{FF2B5EF4-FFF2-40B4-BE49-F238E27FC236}">
-                <a16:creationId xmlns:a16="http://schemas.microsoft.com/office/drawing/2014/main" id="{3FFAF707-D3D6-CE2B-05A1-9D21C2FBC97A}"/>
+          <p:cNvPr id="6" name="Rectangle 5">
+            <a:extLst>
+              <a:ext uri="{FF2B5EF4-FFF2-40B4-BE49-F238E27FC236}">
+                <a16:creationId xmlns:a16="http://schemas.microsoft.com/office/drawing/2014/main" id="{5A677918-2248-5902-2404-0D6E0F0564F4}"/>
               </a:ext>
             </a:extLst>
           </p:cNvPr>
@@ -5457,8 +6103,8 @@
         </p:nvSpPr>
         <p:spPr>
           <a:xfrm>
-            <a:off x="2826326" y="5532247"/>
-            <a:ext cx="1511877" cy="288578"/>
+            <a:off x="1310983" y="914403"/>
+            <a:ext cx="10113484" cy="1719695"/>
           </a:xfrm>
           <a:prstGeom prst="rect">
             <a:avLst/>
@@ -5497,10 +6143,10 @@
       </p:sp>
       <p:sp>
         <p:nvSpPr>
-          <p:cNvPr id="12" name="Rectangle 11">
-            <a:extLst>
-              <a:ext uri="{FF2B5EF4-FFF2-40B4-BE49-F238E27FC236}">
-                <a16:creationId xmlns:a16="http://schemas.microsoft.com/office/drawing/2014/main" id="{B9D5148A-3E8F-2758-7E5E-488E69E15A4A}"/>
+          <p:cNvPr id="7" name="Rectangle 6">
+            <a:extLst>
+              <a:ext uri="{FF2B5EF4-FFF2-40B4-BE49-F238E27FC236}">
+                <a16:creationId xmlns:a16="http://schemas.microsoft.com/office/drawing/2014/main" id="{5F6B804B-6828-9CAC-396C-741F571741EA}"/>
               </a:ext>
             </a:extLst>
           </p:cNvPr>
@@ -5509,8 +6155,8 @@
         </p:nvSpPr>
         <p:spPr>
           <a:xfrm>
-            <a:off x="4338203" y="3020928"/>
-            <a:ext cx="2088574" cy="288578"/>
+            <a:off x="1059874" y="1774250"/>
+            <a:ext cx="9871362" cy="498758"/>
           </a:xfrm>
           <a:prstGeom prst="rect">
             <a:avLst/>
@@ -5549,10 +6195,10 @@
       </p:sp>
       <p:sp>
         <p:nvSpPr>
-          <p:cNvPr id="13" name="Rectangle 12">
-            <a:extLst>
-              <a:ext uri="{FF2B5EF4-FFF2-40B4-BE49-F238E27FC236}">
-                <a16:creationId xmlns:a16="http://schemas.microsoft.com/office/drawing/2014/main" id="{66ECCDF4-5B53-39BF-E0B1-0F10E771344A}"/>
+          <p:cNvPr id="8" name="Rectangle 7">
+            <a:extLst>
+              <a:ext uri="{FF2B5EF4-FFF2-40B4-BE49-F238E27FC236}">
+                <a16:creationId xmlns:a16="http://schemas.microsoft.com/office/drawing/2014/main" id="{E5D18750-5794-344D-2920-6C4BF472A5CC}"/>
               </a:ext>
             </a:extLst>
           </p:cNvPr>
@@ -5561,8 +6207,8 @@
         </p:nvSpPr>
         <p:spPr>
           <a:xfrm>
-            <a:off x="6917747" y="1900856"/>
-            <a:ext cx="2070389" cy="317604"/>
+            <a:off x="4966848" y="955963"/>
+            <a:ext cx="135088" cy="5527962"/>
           </a:xfrm>
           <a:prstGeom prst="rect">
             <a:avLst/>
@@ -5601,10 +6247,10 @@
       </p:sp>
       <p:sp>
         <p:nvSpPr>
-          <p:cNvPr id="14" name="Rectangle 13">
-            <a:extLst>
-              <a:ext uri="{FF2B5EF4-FFF2-40B4-BE49-F238E27FC236}">
-                <a16:creationId xmlns:a16="http://schemas.microsoft.com/office/drawing/2014/main" id="{D5FC2D6B-7230-BB1A-D6AC-B7D1844BF711}"/>
+          <p:cNvPr id="9" name="Rectangle 8">
+            <a:extLst>
+              <a:ext uri="{FF2B5EF4-FFF2-40B4-BE49-F238E27FC236}">
+                <a16:creationId xmlns:a16="http://schemas.microsoft.com/office/drawing/2014/main" id="{94DB5756-8A2D-5B00-9332-6550072A4DA8}"/>
               </a:ext>
             </a:extLst>
           </p:cNvPr>
@@ -5613,8 +6259,8 @@
         </p:nvSpPr>
         <p:spPr>
           <a:xfrm>
-            <a:off x="7855528" y="5008689"/>
-            <a:ext cx="1558636" cy="267338"/>
+            <a:off x="1059875" y="3517327"/>
+            <a:ext cx="9871361" cy="498758"/>
           </a:xfrm>
           <a:prstGeom prst="rect">
             <a:avLst/>
@@ -5653,10 +6299,10 @@
       </p:sp>
       <p:sp>
         <p:nvSpPr>
-          <p:cNvPr id="15" name="Rectangle 14">
-            <a:extLst>
-              <a:ext uri="{FF2B5EF4-FFF2-40B4-BE49-F238E27FC236}">
-                <a16:creationId xmlns:a16="http://schemas.microsoft.com/office/drawing/2014/main" id="{D070154C-86C2-C6AD-6618-D75377853C63}"/>
+          <p:cNvPr id="10" name="Rectangle 9">
+            <a:extLst>
+              <a:ext uri="{FF2B5EF4-FFF2-40B4-BE49-F238E27FC236}">
+                <a16:creationId xmlns:a16="http://schemas.microsoft.com/office/drawing/2014/main" id="{5EBAA0D7-E516-3F1D-35EC-61B88B837A0B}"/>
               </a:ext>
             </a:extLst>
           </p:cNvPr>
@@ -5665,8 +6311,8 @@
         </p:nvSpPr>
         <p:spPr>
           <a:xfrm>
-            <a:off x="1670337" y="3374676"/>
-            <a:ext cx="1485900" cy="267338"/>
+            <a:off x="1059873" y="5255213"/>
+            <a:ext cx="9871363" cy="498758"/>
           </a:xfrm>
           <a:prstGeom prst="rect">
             <a:avLst/>
@@ -5705,46 +6351,268 @@
       </p:sp>
       <p:sp>
         <p:nvSpPr>
-          <p:cNvPr id="18" name="TextBox 17">
-            <a:extLst>
-              <a:ext uri="{FF2B5EF4-FFF2-40B4-BE49-F238E27FC236}">
-                <a16:creationId xmlns:a16="http://schemas.microsoft.com/office/drawing/2014/main" id="{44178304-09FE-52AC-19E1-5EA289319D5F}"/>
-              </a:ext>
-            </a:extLst>
-          </p:cNvPr>
-          <p:cNvSpPr txBox="1"/>
+          <p:cNvPr id="11" name="Rectangle 10">
+            <a:extLst>
+              <a:ext uri="{FF2B5EF4-FFF2-40B4-BE49-F238E27FC236}">
+                <a16:creationId xmlns:a16="http://schemas.microsoft.com/office/drawing/2014/main" id="{FF032CBB-F176-B6C1-F2D4-66A01F64FF2F}"/>
+              </a:ext>
+            </a:extLst>
+          </p:cNvPr>
+          <p:cNvSpPr/>
           <p:nvPr/>
         </p:nvSpPr>
         <p:spPr>
           <a:xfrm>
-            <a:off x="1402773" y="114300"/>
-            <a:ext cx="8816686" cy="461665"/>
+            <a:off x="7413908" y="955963"/>
+            <a:ext cx="135088" cy="5527962"/>
           </a:xfrm>
           <a:prstGeom prst="rect">
             <a:avLst/>
           </a:prstGeom>
-          <a:solidFill>
-            <a:schemeClr val="bg1"/>
-          </a:solidFill>
-        </p:spPr>
-        <p:txBody>
-          <a:bodyPr wrap="square" rtlCol="0">
-            <a:spAutoFit/>
-          </a:bodyPr>
+          <a:noFill/>
+          <a:ln w="28575">
+            <a:solidFill>
+              <a:schemeClr val="tx1"/>
+            </a:solidFill>
+          </a:ln>
+        </p:spPr>
+        <p:style>
+          <a:lnRef idx="2">
+            <a:schemeClr val="accent1">
+              <a:shade val="50000"/>
+            </a:schemeClr>
+          </a:lnRef>
+          <a:fillRef idx="1">
+            <a:schemeClr val="accent1"/>
+          </a:fillRef>
+          <a:effectRef idx="0">
+            <a:schemeClr val="accent1"/>
+          </a:effectRef>
+          <a:fontRef idx="minor">
+            <a:schemeClr val="lt1"/>
+          </a:fontRef>
+        </p:style>
+        <p:txBody>
+          <a:bodyPr rtlCol="0" anchor="ctr"/>
           <a:lstStyle/>
           <a:p>
             <a:pPr algn="ctr"/>
-            <a:r>
-              <a:rPr lang="en-US" sz="2400" b="1" u="sng" dirty="0"/>
-              <a:t>8 Rules from Machine Learned Data (25% Support)</a:t>
-            </a:r>
+            <a:endParaRPr lang="en-US"/>
+          </a:p>
+        </p:txBody>
+      </p:sp>
+      <p:sp>
+        <p:nvSpPr>
+          <p:cNvPr id="17" name="Rectangle 16">
+            <a:extLst>
+              <a:ext uri="{FF2B5EF4-FFF2-40B4-BE49-F238E27FC236}">
+                <a16:creationId xmlns:a16="http://schemas.microsoft.com/office/drawing/2014/main" id="{5355BB13-6BC7-19CE-6A90-6505552D623F}"/>
+              </a:ext>
+            </a:extLst>
+          </p:cNvPr>
+          <p:cNvSpPr/>
+          <p:nvPr/>
+        </p:nvSpPr>
+        <p:spPr>
+          <a:xfrm>
+            <a:off x="3744186" y="955963"/>
+            <a:ext cx="135088" cy="5527962"/>
+          </a:xfrm>
+          <a:prstGeom prst="rect">
+            <a:avLst/>
+          </a:prstGeom>
+          <a:noFill/>
+          <a:ln w="28575">
+            <a:solidFill>
+              <a:schemeClr val="tx1"/>
+            </a:solidFill>
+          </a:ln>
+        </p:spPr>
+        <p:style>
+          <a:lnRef idx="2">
+            <a:schemeClr val="accent1">
+              <a:shade val="50000"/>
+            </a:schemeClr>
+          </a:lnRef>
+          <a:fillRef idx="1">
+            <a:schemeClr val="accent1"/>
+          </a:fillRef>
+          <a:effectRef idx="0">
+            <a:schemeClr val="accent1"/>
+          </a:effectRef>
+          <a:fontRef idx="minor">
+            <a:schemeClr val="lt1"/>
+          </a:fontRef>
+        </p:style>
+        <p:txBody>
+          <a:bodyPr rtlCol="0" anchor="ctr"/>
+          <a:lstStyle/>
+          <a:p>
+            <a:pPr algn="ctr"/>
+            <a:endParaRPr lang="en-US"/>
+          </a:p>
+        </p:txBody>
+      </p:sp>
+      <p:sp>
+        <p:nvSpPr>
+          <p:cNvPr id="18" name="Rectangle 17">
+            <a:extLst>
+              <a:ext uri="{FF2B5EF4-FFF2-40B4-BE49-F238E27FC236}">
+                <a16:creationId xmlns:a16="http://schemas.microsoft.com/office/drawing/2014/main" id="{67424740-C1C1-12FF-B904-722A0FC4215B}"/>
+              </a:ext>
+            </a:extLst>
+          </p:cNvPr>
+          <p:cNvSpPr/>
+          <p:nvPr/>
+        </p:nvSpPr>
+        <p:spPr>
+          <a:xfrm>
+            <a:off x="2518050" y="955963"/>
+            <a:ext cx="135088" cy="5527962"/>
+          </a:xfrm>
+          <a:prstGeom prst="rect">
+            <a:avLst/>
+          </a:prstGeom>
+          <a:noFill/>
+          <a:ln w="28575">
+            <a:solidFill>
+              <a:schemeClr val="tx1"/>
+            </a:solidFill>
+          </a:ln>
+        </p:spPr>
+        <p:style>
+          <a:lnRef idx="2">
+            <a:schemeClr val="accent1">
+              <a:shade val="50000"/>
+            </a:schemeClr>
+          </a:lnRef>
+          <a:fillRef idx="1">
+            <a:schemeClr val="accent1"/>
+          </a:fillRef>
+          <a:effectRef idx="0">
+            <a:schemeClr val="accent1"/>
+          </a:effectRef>
+          <a:fontRef idx="minor">
+            <a:schemeClr val="lt1"/>
+          </a:fontRef>
+        </p:style>
+        <p:txBody>
+          <a:bodyPr rtlCol="0" anchor="ctr"/>
+          <a:lstStyle/>
+          <a:p>
+            <a:pPr algn="ctr"/>
+            <a:endParaRPr lang="en-US"/>
+          </a:p>
+        </p:txBody>
+      </p:sp>
+      <p:sp>
+        <p:nvSpPr>
+          <p:cNvPr id="21" name="Rectangle 20">
+            <a:extLst>
+              <a:ext uri="{FF2B5EF4-FFF2-40B4-BE49-F238E27FC236}">
+                <a16:creationId xmlns:a16="http://schemas.microsoft.com/office/drawing/2014/main" id="{5BA2BFAE-DCA0-0291-512A-B9AC6AE78020}"/>
+              </a:ext>
+            </a:extLst>
+          </p:cNvPr>
+          <p:cNvSpPr/>
+          <p:nvPr/>
+        </p:nvSpPr>
+        <p:spPr>
+          <a:xfrm>
+            <a:off x="6194704" y="955963"/>
+            <a:ext cx="135088" cy="5527962"/>
+          </a:xfrm>
+          <a:prstGeom prst="rect">
+            <a:avLst/>
+          </a:prstGeom>
+          <a:noFill/>
+          <a:ln w="28575">
+            <a:solidFill>
+              <a:schemeClr val="tx1"/>
+            </a:solidFill>
+          </a:ln>
+        </p:spPr>
+        <p:style>
+          <a:lnRef idx="2">
+            <a:schemeClr val="accent1">
+              <a:shade val="50000"/>
+            </a:schemeClr>
+          </a:lnRef>
+          <a:fillRef idx="1">
+            <a:schemeClr val="accent1"/>
+          </a:fillRef>
+          <a:effectRef idx="0">
+            <a:schemeClr val="accent1"/>
+          </a:effectRef>
+          <a:fontRef idx="minor">
+            <a:schemeClr val="lt1"/>
+          </a:fontRef>
+        </p:style>
+        <p:txBody>
+          <a:bodyPr rtlCol="0" anchor="ctr"/>
+          <a:lstStyle/>
+          <a:p>
+            <a:pPr algn="ctr"/>
+            <a:endParaRPr lang="en-US"/>
+          </a:p>
+        </p:txBody>
+      </p:sp>
+      <p:sp>
+        <p:nvSpPr>
+          <p:cNvPr id="24" name="Rectangle 23">
+            <a:extLst>
+              <a:ext uri="{FF2B5EF4-FFF2-40B4-BE49-F238E27FC236}">
+                <a16:creationId xmlns:a16="http://schemas.microsoft.com/office/drawing/2014/main" id="{6412A6E0-14E7-7EF1-8B21-20BCB121D449}"/>
+              </a:ext>
+            </a:extLst>
+          </p:cNvPr>
+          <p:cNvSpPr/>
+          <p:nvPr/>
+        </p:nvSpPr>
+        <p:spPr>
+          <a:xfrm>
+            <a:off x="8638308" y="955963"/>
+            <a:ext cx="135088" cy="5527962"/>
+          </a:xfrm>
+          <a:prstGeom prst="rect">
+            <a:avLst/>
+          </a:prstGeom>
+          <a:noFill/>
+          <a:ln w="28575">
+            <a:solidFill>
+              <a:schemeClr val="tx1"/>
+            </a:solidFill>
+          </a:ln>
+        </p:spPr>
+        <p:style>
+          <a:lnRef idx="2">
+            <a:schemeClr val="accent1">
+              <a:shade val="50000"/>
+            </a:schemeClr>
+          </a:lnRef>
+          <a:fillRef idx="1">
+            <a:schemeClr val="accent1"/>
+          </a:fillRef>
+          <a:effectRef idx="0">
+            <a:schemeClr val="accent1"/>
+          </a:effectRef>
+          <a:fontRef idx="minor">
+            <a:schemeClr val="lt1"/>
+          </a:fontRef>
+        </p:style>
+        <p:txBody>
+          <a:bodyPr rtlCol="0" anchor="ctr"/>
+          <a:lstStyle/>
+          <a:p>
+            <a:pPr algn="ctr"/>
+            <a:endParaRPr lang="en-US"/>
           </a:p>
         </p:txBody>
       </p:sp>
     </p:spTree>
     <p:extLst>
       <p:ext uri="{BB962C8B-B14F-4D97-AF65-F5344CB8AC3E}">
-        <p14:creationId xmlns:p14="http://schemas.microsoft.com/office/powerpoint/2010/main" val="1196845723"/>
+        <p14:creationId xmlns:p14="http://schemas.microsoft.com/office/powerpoint/2010/main" val="419548427"/>
       </p:ext>
     </p:extLst>
   </p:cSld>
@@ -5773,10 +6641,10 @@
       </p:grpSpPr>
       <p:pic>
         <p:nvPicPr>
-          <p:cNvPr id="4" name="Picture 3" descr="Chart, table&#10;&#10;Description automatically generated">
-            <a:extLst>
-              <a:ext uri="{FF2B5EF4-FFF2-40B4-BE49-F238E27FC236}">
-                <a16:creationId xmlns:a16="http://schemas.microsoft.com/office/drawing/2014/main" id="{6C26B24D-FB6E-704C-544B-EC18F360614E}"/>
+          <p:cNvPr id="5" name="Picture 4" descr="Diagram&#10;&#10;Description automatically generated">
+            <a:extLst>
+              <a:ext uri="{FF2B5EF4-FFF2-40B4-BE49-F238E27FC236}">
+                <a16:creationId xmlns:a16="http://schemas.microsoft.com/office/drawing/2014/main" id="{B9C50CB9-CFEF-E481-3512-5B7F593BD366}"/>
               </a:ext>
             </a:extLst>
           </p:cNvPr>
@@ -5799,56 +6667,18 @@
         </p:blipFill>
         <p:spPr>
           <a:xfrm>
-            <a:off x="724957" y="114300"/>
-            <a:ext cx="10742085" cy="6629400"/>
+            <a:off x="731168" y="114300"/>
+            <a:ext cx="10729664" cy="6629400"/>
           </a:xfrm>
           <a:prstGeom prst="rect">
             <a:avLst/>
           </a:prstGeom>
         </p:spPr>
       </p:pic>
-      <p:sp>
-        <p:nvSpPr>
-          <p:cNvPr id="5" name="TextBox 4">
-            <a:extLst>
-              <a:ext uri="{FF2B5EF4-FFF2-40B4-BE49-F238E27FC236}">
-                <a16:creationId xmlns:a16="http://schemas.microsoft.com/office/drawing/2014/main" id="{236C5208-28F1-5F58-7220-BB0B047DF750}"/>
-              </a:ext>
-            </a:extLst>
-          </p:cNvPr>
-          <p:cNvSpPr txBox="1"/>
-          <p:nvPr/>
-        </p:nvSpPr>
-        <p:spPr>
-          <a:xfrm>
-            <a:off x="1402773" y="114300"/>
-            <a:ext cx="8816686" cy="461665"/>
-          </a:xfrm>
-          <a:prstGeom prst="rect">
-            <a:avLst/>
-          </a:prstGeom>
-          <a:solidFill>
-            <a:schemeClr val="bg1"/>
-          </a:solidFill>
-        </p:spPr>
-        <p:txBody>
-          <a:bodyPr wrap="square" rtlCol="0">
-            <a:spAutoFit/>
-          </a:bodyPr>
-          <a:lstStyle/>
-          <a:p>
-            <a:pPr algn="ctr"/>
-            <a:r>
-              <a:rPr lang="en-US" sz="2400" b="1" u="sng" dirty="0"/>
-              <a:t>8 Rules from Machine Learned Data (25% Support)</a:t>
-            </a:r>
-          </a:p>
-        </p:txBody>
-      </p:sp>
     </p:spTree>
     <p:extLst>
       <p:ext uri="{BB962C8B-B14F-4D97-AF65-F5344CB8AC3E}">
-        <p14:creationId xmlns:p14="http://schemas.microsoft.com/office/powerpoint/2010/main" val="3166642792"/>
+        <p14:creationId xmlns:p14="http://schemas.microsoft.com/office/powerpoint/2010/main" val="4143271958"/>
       </p:ext>
     </p:extLst>
   </p:cSld>
